--- a/ppt/몸무게 변화 예측과 식단 추천.pptx
+++ b/ppt/몸무게 변화 예측과 식단 추천.pptx
@@ -42,16 +42,28 @@
       <p:bold r:id="rId28"/>
     </p:embeddedFont>
     <p:embeddedFont>
+      <p:font typeface="Malgun Gothic" panose="020B0503020000020004" pitchFamily="50" charset="-127"/>
+      <p:regular r:id="rId27"/>
+      <p:bold r:id="rId28"/>
+    </p:embeddedFont>
+    <p:embeddedFont>
+      <p:font typeface="Calibri" panose="020F0502020204030204" pitchFamily="34" charset="0"/>
+      <p:regular r:id="rId29"/>
+      <p:bold r:id="rId30"/>
+      <p:italic r:id="rId31"/>
+      <p:boldItalic r:id="rId32"/>
+    </p:embeddedFont>
+    <p:embeddedFont>
       <p:font typeface="Inter" panose="020B0600000101010101" charset="0"/>
-      <p:bold r:id="rId29"/>
-      <p:boldItalic r:id="rId30"/>
+      <p:bold r:id="rId33"/>
+      <p:boldItalic r:id="rId34"/>
     </p:embeddedFont>
     <p:embeddedFont>
       <p:font typeface="Montserrat" panose="00000500000000000000" pitchFamily="2" charset="0"/>
-      <p:regular r:id="rId31"/>
-      <p:bold r:id="rId32"/>
-      <p:italic r:id="rId33"/>
-      <p:boldItalic r:id="rId34"/>
+      <p:regular r:id="rId35"/>
+      <p:bold r:id="rId36"/>
+      <p:italic r:id="rId37"/>
+      <p:boldItalic r:id="rId38"/>
     </p:embeddedFont>
   </p:embeddedFontLst>
   <p:defaultTextStyle>
@@ -299,7 +311,7 @@
       </p15:sldGuideLst>
     </p:ext>
     <p:ext uri="GoogleSlidesCustomDataVersion2">
-      <go:slidesCustomData xmlns="" xmlns:mc="http://schemas.openxmlformats.org/markup-compatibility/2006" xmlns:mv="urn:schemas-microsoft-com:mac:vml" xmlns:c="http://schemas.openxmlformats.org/drawingml/2006/chart" xmlns:dgm="http://schemas.openxmlformats.org/drawingml/2006/diagram" xmlns:o="urn:schemas-microsoft-com:office:office" xmlns:v="urn:schemas-microsoft-com:vml" xmlns:pvml="urn:schemas-microsoft-com:office:powerpoint" xmlns:com="http://schemas.openxmlformats.org/drawingml/2006/compatibility" xmlns:p14="http://schemas.microsoft.com/office/powerpoint/2010/main" xmlns:p15="http://schemas.microsoft.com/office/powerpoint/2012/main" xmlns:ahyp="http://schemas.microsoft.com/office/drawing/2018/hyperlinkcolor" xmlns:go="http://customooxmlschemas.google.com/" r:id="rId35" roundtripDataSignature="AMtx7mgIZU0ltWG5i5/+5qnlK/QxgdoS+Q=="/>
+      <go:slidesCustomData xmlns:go="http://customooxmlschemas.google.com/" xmlns:ahyp="http://schemas.microsoft.com/office/drawing/2018/hyperlinkcolor" xmlns:p15="http://schemas.microsoft.com/office/powerpoint/2012/main" xmlns:p14="http://schemas.microsoft.com/office/powerpoint/2010/main" xmlns:com="http://schemas.openxmlformats.org/drawingml/2006/compatibility" xmlns:pvml="urn:schemas-microsoft-com:office:powerpoint" xmlns:v="urn:schemas-microsoft-com:vml" xmlns:o="urn:schemas-microsoft-com:office:office" xmlns:dgm="http://schemas.openxmlformats.org/drawingml/2006/diagram" xmlns:c="http://schemas.openxmlformats.org/drawingml/2006/chart" xmlns:mv="urn:schemas-microsoft-com:mac:vml" xmlns:mc="http://schemas.openxmlformats.org/markup-compatibility/2006" xmlns="" r:id="rId39" roundtripDataSignature="AMtx7mgIZU0ltWG5i5/+5qnlK/QxgdoS+Q=="/>
     </p:ext>
   </p:extLst>
 </p:presentation>
@@ -17176,7 +17188,7 @@
         <p:spPr>
           <a:xfrm>
             <a:off x="1028700" y="4248151"/>
-            <a:ext cx="6996109" cy="2443356"/>
+            <a:ext cx="7247701" cy="2443356"/>
           </a:xfrm>
           <a:prstGeom prst="rect">
             <a:avLst/>
@@ -17206,7 +17218,7 @@
         <p:spPr>
           <a:xfrm>
             <a:off x="1028699" y="6691507"/>
-            <a:ext cx="6996109" cy="2721289"/>
+            <a:ext cx="7247701" cy="2721289"/>
           </a:xfrm>
           <a:prstGeom prst="rect">
             <a:avLst/>
@@ -17235,8 +17247,8 @@
         </p:blipFill>
         <p:spPr>
           <a:xfrm>
-            <a:off x="9266710" y="4248152"/>
-            <a:ext cx="7992590" cy="5164640"/>
+            <a:off x="9641304" y="4248152"/>
+            <a:ext cx="7617995" cy="5164640"/>
           </a:xfrm>
           <a:prstGeom prst="rect">
             <a:avLst/>
@@ -17316,7 +17328,7 @@
         </p:nvSpPr>
         <p:spPr>
           <a:xfrm>
-            <a:off x="8153400" y="5936938"/>
+            <a:off x="8276401" y="5936938"/>
             <a:ext cx="1113309" cy="942965"/>
           </a:xfrm>
           <a:prstGeom prst="rightArrow">
@@ -26861,7 +26873,7 @@
                 <a:buNone/>
               </a:pPr>
               <a:r>
-                <a:rPr lang="en-US" sz="3000">
+                <a:rPr lang="en-US" sz="3000" dirty="0">
                   <a:solidFill>
                     <a:srgbClr val="3F3F48"/>
                   </a:solidFill>
@@ -26872,7 +26884,7 @@
                 </a:rPr>
                 <a:t>Windows 10 Pro</a:t>
               </a:r>
-              <a:endParaRPr sz="3000">
+              <a:endParaRPr sz="3000" dirty="0">
                 <a:solidFill>
                   <a:srgbClr val="3F3F48"/>
                 </a:solidFill>
@@ -27078,18 +27090,6 @@
                 <a:buNone/>
               </a:pPr>
               <a:r>
-                <a:rPr lang="en-US" sz="3000" dirty="0" err="1">
-                  <a:solidFill>
-                    <a:srgbClr val="3F3F48"/>
-                  </a:solidFill>
-                  <a:latin typeface="Malgun Gothic"/>
-                  <a:ea typeface="Malgun Gothic"/>
-                  <a:cs typeface="Malgun Gothic"/>
-                  <a:sym typeface="Malgun Gothic"/>
-                </a:rPr>
-                <a:t>Tensorflow</a:t>
-              </a:r>
-              <a:r>
                 <a:rPr lang="en-US" sz="3000" dirty="0">
                   <a:solidFill>
                     <a:srgbClr val="3F3F48"/>
@@ -27099,9 +27099,57 @@
                   <a:cs typeface="Malgun Gothic"/>
                   <a:sym typeface="Malgun Gothic"/>
                 </a:rPr>
-                <a:t> 2.10, selenium</a:t>
+                <a:t>Tensorflow-2.10, selenium,</a:t>
               </a:r>
-              <a:endParaRPr sz="3000" dirty="0"/>
+              <a:r>
+                <a:rPr lang="en-US" altLang="ko-KR" sz="4000" dirty="0">
+                  <a:solidFill>
+                    <a:srgbClr val="3F3F48"/>
+                  </a:solidFill>
+                </a:rPr>
+                <a:t> </a:t>
+              </a:r>
+              <a:r>
+                <a:rPr lang="en-US" altLang="ko-KR" sz="3000" dirty="0">
+                  <a:solidFill>
+                    <a:srgbClr val="3F3F48"/>
+                  </a:solidFill>
+                  <a:latin typeface="+mn-ea"/>
+                  <a:ea typeface="+mn-ea"/>
+                </a:rPr>
+                <a:t>Matplotlib/Seaborn, pyreadstat-1.2.8</a:t>
+              </a:r>
+            </a:p>
+            <a:p>
+              <a:pPr marL="179999" marR="0" lvl="0" indent="0" algn="l" rtl="0">
+                <a:lnSpc>
+                  <a:spcPct val="150000"/>
+                </a:lnSpc>
+                <a:spcBef>
+                  <a:spcPts val="0"/>
+                </a:spcBef>
+                <a:spcAft>
+                  <a:spcPts val="0"/>
+                </a:spcAft>
+                <a:buNone/>
+              </a:pPr>
+              <a:r>
+                <a:rPr lang="en-US" sz="3000" dirty="0">
+                  <a:solidFill>
+                    <a:srgbClr val="3F3F48"/>
+                  </a:solidFill>
+                  <a:latin typeface="+mn-ea"/>
+                  <a:ea typeface="+mn-ea"/>
+                </a:rPr>
+                <a:t>Sas7bdat-2.2.3</a:t>
+              </a:r>
+              <a:endParaRPr sz="3000" dirty="0">
+                <a:solidFill>
+                  <a:srgbClr val="3F3F48"/>
+                </a:solidFill>
+                <a:latin typeface="+mn-ea"/>
+                <a:ea typeface="+mn-ea"/>
+              </a:endParaRPr>
             </a:p>
           </p:txBody>
         </p:sp>
@@ -27294,7 +27342,7 @@
                 <a:buNone/>
               </a:pPr>
               <a:r>
-                <a:rPr lang="en-US" sz="3000">
+                <a:rPr lang="en-US" sz="3000" dirty="0">
                   <a:solidFill>
                     <a:srgbClr val="3F3F48"/>
                   </a:solidFill>
@@ -27303,9 +27351,129 @@
                   <a:cs typeface="Malgun Gothic"/>
                   <a:sym typeface="Malgun Gothic"/>
                 </a:rPr>
-                <a:t>Anaconda jyputer notebook(데이터정제 및 병합, 그룹화, ML&amp;DL 분석), </a:t>
+                <a:t>Anaconda </a:t>
               </a:r>
-              <a:endParaRPr sz="3000"/>
+              <a:r>
+                <a:rPr lang="en-US" sz="3000" dirty="0" err="1">
+                  <a:solidFill>
+                    <a:srgbClr val="3F3F48"/>
+                  </a:solidFill>
+                  <a:latin typeface="Malgun Gothic"/>
+                  <a:ea typeface="Malgun Gothic"/>
+                  <a:cs typeface="Malgun Gothic"/>
+                  <a:sym typeface="Malgun Gothic"/>
+                </a:rPr>
+                <a:t>jyputer</a:t>
+              </a:r>
+              <a:r>
+                <a:rPr lang="en-US" sz="3000" dirty="0">
+                  <a:solidFill>
+                    <a:srgbClr val="3F3F48"/>
+                  </a:solidFill>
+                  <a:latin typeface="Malgun Gothic"/>
+                  <a:ea typeface="Malgun Gothic"/>
+                  <a:cs typeface="Malgun Gothic"/>
+                  <a:sym typeface="Malgun Gothic"/>
+                </a:rPr>
+                <a:t> notebook(</a:t>
+              </a:r>
+              <a:r>
+                <a:rPr lang="en-US" sz="3000" dirty="0" err="1">
+                  <a:solidFill>
+                    <a:srgbClr val="3F3F48"/>
+                  </a:solidFill>
+                  <a:latin typeface="Malgun Gothic"/>
+                  <a:ea typeface="Malgun Gothic"/>
+                  <a:cs typeface="Malgun Gothic"/>
+                  <a:sym typeface="Malgun Gothic"/>
+                </a:rPr>
+                <a:t>데이터정제</a:t>
+              </a:r>
+              <a:r>
+                <a:rPr lang="en-US" sz="3000" dirty="0">
+                  <a:solidFill>
+                    <a:srgbClr val="3F3F48"/>
+                  </a:solidFill>
+                  <a:latin typeface="Malgun Gothic"/>
+                  <a:ea typeface="Malgun Gothic"/>
+                  <a:cs typeface="Malgun Gothic"/>
+                  <a:sym typeface="Malgun Gothic"/>
+                </a:rPr>
+                <a:t> 및 </a:t>
+              </a:r>
+              <a:r>
+                <a:rPr lang="en-US" sz="3000" dirty="0" err="1">
+                  <a:solidFill>
+                    <a:srgbClr val="3F3F48"/>
+                  </a:solidFill>
+                  <a:latin typeface="Malgun Gothic"/>
+                  <a:ea typeface="Malgun Gothic"/>
+                  <a:cs typeface="Malgun Gothic"/>
+                  <a:sym typeface="Malgun Gothic"/>
+                </a:rPr>
+                <a:t>병합</a:t>
+              </a:r>
+              <a:r>
+                <a:rPr lang="en-US" sz="3000" dirty="0">
+                  <a:solidFill>
+                    <a:srgbClr val="3F3F48"/>
+                  </a:solidFill>
+                  <a:latin typeface="Malgun Gothic"/>
+                  <a:ea typeface="Malgun Gothic"/>
+                  <a:cs typeface="Malgun Gothic"/>
+                  <a:sym typeface="Malgun Gothic"/>
+                </a:rPr>
+                <a:t>, </a:t>
+              </a:r>
+              <a:r>
+                <a:rPr lang="en-US" sz="3000" dirty="0" err="1">
+                  <a:solidFill>
+                    <a:srgbClr val="3F3F48"/>
+                  </a:solidFill>
+                  <a:latin typeface="Malgun Gothic"/>
+                  <a:ea typeface="Malgun Gothic"/>
+                  <a:cs typeface="Malgun Gothic"/>
+                  <a:sym typeface="Malgun Gothic"/>
+                </a:rPr>
+                <a:t>그룹화</a:t>
+              </a:r>
+              <a:r>
+                <a:rPr lang="en-US" sz="3000" dirty="0">
+                  <a:solidFill>
+                    <a:srgbClr val="3F3F48"/>
+                  </a:solidFill>
+                  <a:latin typeface="Malgun Gothic"/>
+                  <a:ea typeface="Malgun Gothic"/>
+                  <a:cs typeface="Malgun Gothic"/>
+                  <a:sym typeface="Malgun Gothic"/>
+                </a:rPr>
+                <a:t>, ML&amp;DL </a:t>
+              </a:r>
+              <a:r>
+                <a:rPr lang="en-US" sz="3000" dirty="0" err="1">
+                  <a:solidFill>
+                    <a:srgbClr val="3F3F48"/>
+                  </a:solidFill>
+                  <a:latin typeface="Malgun Gothic"/>
+                  <a:ea typeface="Malgun Gothic"/>
+                  <a:cs typeface="Malgun Gothic"/>
+                  <a:sym typeface="Malgun Gothic"/>
+                </a:rPr>
+                <a:t>분석</a:t>
+              </a:r>
+              <a:r>
+                <a:rPr lang="en-US" sz="3000" dirty="0">
+                  <a:solidFill>
+                    <a:srgbClr val="3F3F48"/>
+                  </a:solidFill>
+                  <a:latin typeface="Malgun Gothic"/>
+                  <a:ea typeface="Malgun Gothic"/>
+                  <a:cs typeface="Malgun Gothic"/>
+                  <a:sym typeface="Malgun Gothic"/>
+                </a:rPr>
+                <a:t>), </a:t>
+              </a:r>
+              <a:endParaRPr sz="3000" dirty="0"/>
             </a:p>
             <a:p>
               <a:pPr marL="179999" marR="0" lvl="0" indent="0" algn="l" rtl="0">
@@ -27321,7 +27489,7 @@
                 <a:buNone/>
               </a:pPr>
               <a:r>
-                <a:rPr lang="en-US" sz="3000">
+                <a:rPr lang="en-US" sz="3000" dirty="0">
                   <a:solidFill>
                     <a:srgbClr val="3F3F48"/>
                   </a:solidFill>
@@ -27330,9 +27498,81 @@
                   <a:cs typeface="Malgun Gothic"/>
                   <a:sym typeface="Malgun Gothic"/>
                 </a:rPr>
-                <a:t>PyCharm Community 2024.3.1(ML&amp;이 분석 및 웹 구현)</a:t>
+                <a:t>PyCharm Community 2024.3.1(</a:t>
               </a:r>
-              <a:endParaRPr sz="3000">
+              <a:r>
+                <a:rPr lang="en-US" sz="3000" dirty="0" err="1">
+                  <a:solidFill>
+                    <a:srgbClr val="3F3F48"/>
+                  </a:solidFill>
+                  <a:latin typeface="Malgun Gothic"/>
+                  <a:ea typeface="Malgun Gothic"/>
+                  <a:cs typeface="Malgun Gothic"/>
+                  <a:sym typeface="Malgun Gothic"/>
+                </a:rPr>
+                <a:t>ML&amp;이</a:t>
+              </a:r>
+              <a:r>
+                <a:rPr lang="en-US" sz="3000" dirty="0">
+                  <a:solidFill>
+                    <a:srgbClr val="3F3F48"/>
+                  </a:solidFill>
+                  <a:latin typeface="Malgun Gothic"/>
+                  <a:ea typeface="Malgun Gothic"/>
+                  <a:cs typeface="Malgun Gothic"/>
+                  <a:sym typeface="Malgun Gothic"/>
+                </a:rPr>
+                <a:t> </a:t>
+              </a:r>
+              <a:r>
+                <a:rPr lang="en-US" sz="3000" dirty="0" err="1">
+                  <a:solidFill>
+                    <a:srgbClr val="3F3F48"/>
+                  </a:solidFill>
+                  <a:latin typeface="Malgun Gothic"/>
+                  <a:ea typeface="Malgun Gothic"/>
+                  <a:cs typeface="Malgun Gothic"/>
+                  <a:sym typeface="Malgun Gothic"/>
+                </a:rPr>
+                <a:t>분석</a:t>
+              </a:r>
+              <a:r>
+                <a:rPr lang="en-US" sz="3000" dirty="0">
+                  <a:solidFill>
+                    <a:srgbClr val="3F3F48"/>
+                  </a:solidFill>
+                  <a:latin typeface="Malgun Gothic"/>
+                  <a:ea typeface="Malgun Gothic"/>
+                  <a:cs typeface="Malgun Gothic"/>
+                  <a:sym typeface="Malgun Gothic"/>
+                </a:rPr>
+                <a:t> 및 웹 </a:t>
+              </a:r>
+              <a:r>
+                <a:rPr lang="en-US" sz="3000" dirty="0" err="1">
+                  <a:solidFill>
+                    <a:srgbClr val="3F3F48"/>
+                  </a:solidFill>
+                  <a:latin typeface="Malgun Gothic"/>
+                  <a:ea typeface="Malgun Gothic"/>
+                  <a:cs typeface="Malgun Gothic"/>
+                  <a:sym typeface="Malgun Gothic"/>
+                </a:rPr>
+                <a:t>구현</a:t>
+              </a:r>
+              <a:r>
+                <a:rPr lang="en-US" sz="3000" dirty="0">
+                  <a:solidFill>
+                    <a:srgbClr val="3F3F48"/>
+                  </a:solidFill>
+                  <a:latin typeface="Malgun Gothic"/>
+                  <a:ea typeface="Malgun Gothic"/>
+                  <a:cs typeface="Malgun Gothic"/>
+                  <a:sym typeface="Malgun Gothic"/>
+                </a:rPr>
+                <a:t>)</a:t>
+              </a:r>
+              <a:endParaRPr sz="3000" dirty="0">
                 <a:solidFill>
                   <a:srgbClr val="3F3F48"/>
                 </a:solidFill>

--- a/ppt/몸무게 변화 예측과 식단 추천.pptx
+++ b/ppt/몸무게 변화 예측과 식단 추천.pptx
@@ -5,7 +5,7 @@
     <p:sldMasterId id="2147483648" r:id="rId1"/>
   </p:sldMasterIdLst>
   <p:notesMasterIdLst>
-    <p:notesMasterId r:id="rId26"/>
+    <p:notesMasterId r:id="rId27"/>
   </p:notesMasterIdLst>
   <p:sldIdLst>
     <p:sldId id="256" r:id="rId2"/>
@@ -30,40 +30,41 @@
     <p:sldId id="277" r:id="rId21"/>
     <p:sldId id="278" r:id="rId22"/>
     <p:sldId id="279" r:id="rId23"/>
-    <p:sldId id="266" r:id="rId24"/>
-    <p:sldId id="267" r:id="rId25"/>
+    <p:sldId id="280" r:id="rId24"/>
+    <p:sldId id="266" r:id="rId25"/>
+    <p:sldId id="267" r:id="rId26"/>
   </p:sldIdLst>
   <p:sldSz cx="18288000" cy="10287000"/>
   <p:notesSz cx="6858000" cy="9144000"/>
   <p:embeddedFontLst>
     <p:embeddedFont>
       <p:font typeface="Malgun Gothic" panose="020B0503020000020004" pitchFamily="50" charset="-127"/>
-      <p:regular r:id="rId27"/>
-      <p:bold r:id="rId28"/>
+      <p:regular r:id="rId28"/>
+      <p:bold r:id="rId29"/>
     </p:embeddedFont>
     <p:embeddedFont>
       <p:font typeface="Malgun Gothic" panose="020B0503020000020004" pitchFamily="50" charset="-127"/>
-      <p:regular r:id="rId27"/>
-      <p:bold r:id="rId28"/>
+      <p:regular r:id="rId28"/>
+      <p:bold r:id="rId29"/>
     </p:embeddedFont>
     <p:embeddedFont>
       <p:font typeface="Calibri" panose="020F0502020204030204" pitchFamily="34" charset="0"/>
-      <p:regular r:id="rId29"/>
-      <p:bold r:id="rId30"/>
-      <p:italic r:id="rId31"/>
-      <p:boldItalic r:id="rId32"/>
+      <p:regular r:id="rId30"/>
+      <p:bold r:id="rId31"/>
+      <p:italic r:id="rId32"/>
+      <p:boldItalic r:id="rId33"/>
     </p:embeddedFont>
     <p:embeddedFont>
       <p:font typeface="Inter" panose="020B0600000101010101" charset="0"/>
-      <p:bold r:id="rId33"/>
-      <p:boldItalic r:id="rId34"/>
+      <p:bold r:id="rId34"/>
+      <p:boldItalic r:id="rId35"/>
     </p:embeddedFont>
     <p:embeddedFont>
       <p:font typeface="Montserrat" panose="00000500000000000000" pitchFamily="2" charset="0"/>
-      <p:regular r:id="rId35"/>
-      <p:bold r:id="rId36"/>
-      <p:italic r:id="rId37"/>
-      <p:boldItalic r:id="rId38"/>
+      <p:regular r:id="rId36"/>
+      <p:bold r:id="rId37"/>
+      <p:italic r:id="rId38"/>
+      <p:boldItalic r:id="rId39"/>
     </p:embeddedFont>
   </p:embeddedFontLst>
   <p:defaultTextStyle>
@@ -311,7 +312,7 @@
       </p15:sldGuideLst>
     </p:ext>
     <p:ext uri="GoogleSlidesCustomDataVersion2">
-      <go:slidesCustomData xmlns:go="http://customooxmlschemas.google.com/" xmlns:ahyp="http://schemas.microsoft.com/office/drawing/2018/hyperlinkcolor" xmlns:p15="http://schemas.microsoft.com/office/powerpoint/2012/main" xmlns:p14="http://schemas.microsoft.com/office/powerpoint/2010/main" xmlns:com="http://schemas.openxmlformats.org/drawingml/2006/compatibility" xmlns:pvml="urn:schemas-microsoft-com:office:powerpoint" xmlns:v="urn:schemas-microsoft-com:vml" xmlns:o="urn:schemas-microsoft-com:office:office" xmlns:dgm="http://schemas.openxmlformats.org/drawingml/2006/diagram" xmlns:c="http://schemas.openxmlformats.org/drawingml/2006/chart" xmlns:mv="urn:schemas-microsoft-com:mac:vml" xmlns:mc="http://schemas.openxmlformats.org/markup-compatibility/2006" xmlns="" r:id="rId39" roundtripDataSignature="AMtx7mgIZU0ltWG5i5/+5qnlK/QxgdoS+Q=="/>
+      <go:slidesCustomData xmlns="" xmlns:mc="http://schemas.openxmlformats.org/markup-compatibility/2006" xmlns:mv="urn:schemas-microsoft-com:mac:vml" xmlns:c="http://schemas.openxmlformats.org/drawingml/2006/chart" xmlns:dgm="http://schemas.openxmlformats.org/drawingml/2006/diagram" xmlns:o="urn:schemas-microsoft-com:office:office" xmlns:v="urn:schemas-microsoft-com:vml" xmlns:pvml="urn:schemas-microsoft-com:office:powerpoint" xmlns:com="http://schemas.openxmlformats.org/drawingml/2006/compatibility" xmlns:p14="http://schemas.microsoft.com/office/powerpoint/2010/main" xmlns:p15="http://schemas.microsoft.com/office/powerpoint/2012/main" xmlns:ahyp="http://schemas.microsoft.com/office/drawing/2018/hyperlinkcolor" xmlns:go="http://customooxmlschemas.google.com/" r:id="rId40" roundtripDataSignature="AMtx7mgIZU0ltWG5i5/+5qnlK/QxgdoS+Q=="/>
     </p:ext>
   </p:extLst>
 </p:presentation>
@@ -3510,6 +3511,133 @@
   <p:cSld>
     <p:spTree>
       <p:nvGrpSpPr>
+        <p:cNvPr id="1" name="Shape 255">
+          <a:extLst>
+            <a:ext uri="{FF2B5EF4-FFF2-40B4-BE49-F238E27FC236}">
+              <a16:creationId xmlns:a16="http://schemas.microsoft.com/office/drawing/2014/main" id="{D2B6AFC2-25B7-F406-CD59-C564F1DD938C}"/>
+            </a:ext>
+          </a:extLst>
+        </p:cNvPr>
+        <p:cNvGrpSpPr/>
+        <p:nvPr/>
+      </p:nvGrpSpPr>
+      <p:grpSpPr>
+        <a:xfrm>
+          <a:off x="0" y="0"/>
+          <a:ext cx="0" cy="0"/>
+          <a:chOff x="0" y="0"/>
+          <a:chExt cx="0" cy="0"/>
+        </a:xfrm>
+      </p:grpSpPr>
+      <p:sp>
+        <p:nvSpPr>
+          <p:cNvPr id="256" name="Google Shape;256;p9:notes">
+            <a:extLst>
+              <a:ext uri="{FF2B5EF4-FFF2-40B4-BE49-F238E27FC236}">
+                <a16:creationId xmlns:a16="http://schemas.microsoft.com/office/drawing/2014/main" id="{44C33ADC-87C9-6C71-E898-8D3D47041706}"/>
+              </a:ext>
+            </a:extLst>
+          </p:cNvPr>
+          <p:cNvSpPr txBox="1">
+            <a:spLocks noGrp="1"/>
+          </p:cNvSpPr>
+          <p:nvPr>
+            <p:ph type="body" idx="1"/>
+          </p:nvPr>
+        </p:nvSpPr>
+        <p:spPr>
+          <a:xfrm>
+            <a:off x="685800" y="4343400"/>
+            <a:ext cx="5486400" cy="4114800"/>
+          </a:xfrm>
+          <a:prstGeom prst="rect">
+            <a:avLst/>
+          </a:prstGeom>
+        </p:spPr>
+        <p:txBody>
+          <a:bodyPr spcFirstLastPara="1" wrap="square" lIns="91425" tIns="91425" rIns="91425" bIns="91425" anchor="t" anchorCtr="0">
+            <a:noAutofit/>
+          </a:bodyPr>
+          <a:lstStyle/>
+          <a:p>
+            <a:pPr marL="0" lvl="0" indent="0" algn="l" rtl="0">
+              <a:spcBef>
+                <a:spcPts val="0"/>
+              </a:spcBef>
+              <a:spcAft>
+                <a:spcPts val="0"/>
+              </a:spcAft>
+              <a:buNone/>
+            </a:pPr>
+            <a:endParaRPr dirty="0"/>
+          </a:p>
+        </p:txBody>
+      </p:sp>
+      <p:sp>
+        <p:nvSpPr>
+          <p:cNvPr id="257" name="Google Shape;257;p9:notes">
+            <a:extLst>
+              <a:ext uri="{FF2B5EF4-FFF2-40B4-BE49-F238E27FC236}">
+                <a16:creationId xmlns:a16="http://schemas.microsoft.com/office/drawing/2014/main" id="{DF0767F2-201B-7E3E-38E5-88DEEF9EA2B7}"/>
+              </a:ext>
+            </a:extLst>
+          </p:cNvPr>
+          <p:cNvSpPr>
+            <a:spLocks noGrp="1" noRot="1" noChangeAspect="1"/>
+          </p:cNvSpPr>
+          <p:nvPr>
+            <p:ph type="sldImg" idx="2"/>
+          </p:nvPr>
+        </p:nvSpPr>
+        <p:spPr>
+          <a:xfrm>
+            <a:off x="381000" y="685800"/>
+            <a:ext cx="6096000" cy="3429000"/>
+          </a:xfrm>
+          <a:custGeom>
+            <a:avLst/>
+            <a:gdLst/>
+            <a:ahLst/>
+            <a:cxnLst/>
+            <a:rect l="l" t="t" r="r" b="b"/>
+            <a:pathLst>
+              <a:path w="120000" h="120000" extrusionOk="0">
+                <a:moveTo>
+                  <a:pt x="0" y="0"/>
+                </a:moveTo>
+                <a:lnTo>
+                  <a:pt x="120000" y="0"/>
+                </a:lnTo>
+                <a:lnTo>
+                  <a:pt x="120000" y="120000"/>
+                </a:lnTo>
+                <a:lnTo>
+                  <a:pt x="0" y="120000"/>
+                </a:lnTo>
+                <a:close/>
+              </a:path>
+            </a:pathLst>
+          </a:custGeom>
+        </p:spPr>
+      </p:sp>
+    </p:spTree>
+    <p:extLst>
+      <p:ext uri="{BB962C8B-B14F-4D97-AF65-F5344CB8AC3E}">
+        <p14:creationId xmlns:p14="http://schemas.microsoft.com/office/powerpoint/2010/main" val="2985243979"/>
+      </p:ext>
+    </p:extLst>
+  </p:cSld>
+  <p:clrMapOvr>
+    <a:masterClrMapping/>
+  </p:clrMapOvr>
+</p:notes>
+</file>
+
+<file path=ppt/notesSlides/notesSlide24.xml><?xml version="1.0" encoding="utf-8"?>
+<p:notes xmlns:a="http://schemas.openxmlformats.org/drawingml/2006/main" xmlns:r="http://schemas.openxmlformats.org/officeDocument/2006/relationships" xmlns:p="http://schemas.openxmlformats.org/presentationml/2006/main" showMasterSp="0" showMasterPhAnim="0">
+  <p:cSld>
+    <p:spTree>
+      <p:nvGrpSpPr>
         <p:cNvPr id="1" name="Shape 281"/>
         <p:cNvGrpSpPr/>
         <p:nvPr/>
@@ -3609,7 +3737,7 @@
 </p:notes>
 </file>
 
-<file path=ppt/notesSlides/notesSlide24.xml><?xml version="1.0" encoding="utf-8"?>
+<file path=ppt/notesSlides/notesSlide25.xml><?xml version="1.0" encoding="utf-8"?>
 <p:notes xmlns:a="http://schemas.openxmlformats.org/drawingml/2006/main" xmlns:r="http://schemas.openxmlformats.org/officeDocument/2006/relationships" xmlns:p="http://schemas.openxmlformats.org/presentationml/2006/main" showMasterSp="0" showMasterPhAnim="0">
   <p:cSld>
     <p:spTree>
@@ -24121,6 +24249,298 @@
   <p:cSld>
     <p:spTree>
       <p:nvGrpSpPr>
+        <p:cNvPr id="1" name="Shape 258">
+          <a:extLst>
+            <a:ext uri="{FF2B5EF4-FFF2-40B4-BE49-F238E27FC236}">
+              <a16:creationId xmlns:a16="http://schemas.microsoft.com/office/drawing/2014/main" id="{467756EE-B014-83D3-686F-7045C81E2279}"/>
+            </a:ext>
+          </a:extLst>
+        </p:cNvPr>
+        <p:cNvGrpSpPr/>
+        <p:nvPr/>
+      </p:nvGrpSpPr>
+      <p:grpSpPr>
+        <a:xfrm>
+          <a:off x="0" y="0"/>
+          <a:ext cx="0" cy="0"/>
+          <a:chOff x="0" y="0"/>
+          <a:chExt cx="0" cy="0"/>
+        </a:xfrm>
+      </p:grpSpPr>
+      <p:sp>
+        <p:nvSpPr>
+          <p:cNvPr id="259" name="Google Shape;259;p9">
+            <a:extLst>
+              <a:ext uri="{FF2B5EF4-FFF2-40B4-BE49-F238E27FC236}">
+                <a16:creationId xmlns:a16="http://schemas.microsoft.com/office/drawing/2014/main" id="{AC505416-F812-2019-0344-FF6EF16EE1B8}"/>
+              </a:ext>
+            </a:extLst>
+          </p:cNvPr>
+          <p:cNvSpPr/>
+          <p:nvPr/>
+        </p:nvSpPr>
+        <p:spPr>
+          <a:xfrm>
+            <a:off x="0" y="0"/>
+            <a:ext cx="18288000" cy="10287000"/>
+          </a:xfrm>
+          <a:custGeom>
+            <a:avLst/>
+            <a:gdLst/>
+            <a:ahLst/>
+            <a:cxnLst/>
+            <a:rect l="l" t="t" r="r" b="b"/>
+            <a:pathLst>
+              <a:path w="18288000" h="10287000" extrusionOk="0">
+                <a:moveTo>
+                  <a:pt x="0" y="0"/>
+                </a:moveTo>
+                <a:lnTo>
+                  <a:pt x="18288000" y="0"/>
+                </a:lnTo>
+                <a:lnTo>
+                  <a:pt x="18288000" y="10287000"/>
+                </a:lnTo>
+                <a:lnTo>
+                  <a:pt x="0" y="10287000"/>
+                </a:lnTo>
+                <a:lnTo>
+                  <a:pt x="0" y="0"/>
+                </a:lnTo>
+                <a:close/>
+              </a:path>
+            </a:pathLst>
+          </a:custGeom>
+          <a:blipFill rotWithShape="1">
+            <a:blip r:embed="rId3">
+              <a:alphaModFix/>
+            </a:blip>
+            <a:stretch>
+              <a:fillRect t="-3628" b="-3035"/>
+            </a:stretch>
+          </a:blipFill>
+          <a:ln>
+            <a:noFill/>
+          </a:ln>
+        </p:spPr>
+        <p:txBody>
+          <a:bodyPr/>
+          <a:lstStyle/>
+          <a:p>
+            <a:endParaRPr lang="ko-KR" altLang="en-US"/>
+          </a:p>
+        </p:txBody>
+      </p:sp>
+      <p:cxnSp>
+        <p:nvCxnSpPr>
+          <p:cNvPr id="260" name="Google Shape;260;p9">
+            <a:extLst>
+              <a:ext uri="{FF2B5EF4-FFF2-40B4-BE49-F238E27FC236}">
+                <a16:creationId xmlns:a16="http://schemas.microsoft.com/office/drawing/2014/main" id="{BBBEDC5F-17E8-966E-D40A-7A192996AE6C}"/>
+              </a:ext>
+            </a:extLst>
+          </p:cNvPr>
+          <p:cNvCxnSpPr/>
+          <p:nvPr/>
+        </p:nvCxnSpPr>
+        <p:spPr>
+          <a:xfrm>
+            <a:off x="1028700" y="2529840"/>
+            <a:ext cx="16230600" cy="0"/>
+          </a:xfrm>
+          <a:prstGeom prst="straightConnector1">
+            <a:avLst/>
+          </a:prstGeom>
+          <a:noFill/>
+          <a:ln w="19050" cap="flat" cmpd="sng">
+            <a:solidFill>
+              <a:srgbClr val="373737"/>
+            </a:solidFill>
+            <a:prstDash val="solid"/>
+            <a:round/>
+            <a:headEnd type="none" w="sm" len="sm"/>
+            <a:tailEnd type="none" w="sm" len="sm"/>
+          </a:ln>
+        </p:spPr>
+      </p:cxnSp>
+      <p:sp>
+        <p:nvSpPr>
+          <p:cNvPr id="261" name="Google Shape;261;p9">
+            <a:extLst>
+              <a:ext uri="{FF2B5EF4-FFF2-40B4-BE49-F238E27FC236}">
+                <a16:creationId xmlns:a16="http://schemas.microsoft.com/office/drawing/2014/main" id="{D2FC0D3D-05EF-E045-9EE6-3B76E8A100E1}"/>
+              </a:ext>
+            </a:extLst>
+          </p:cNvPr>
+          <p:cNvSpPr txBox="1"/>
+          <p:nvPr/>
+        </p:nvSpPr>
+        <p:spPr>
+          <a:xfrm>
+            <a:off x="1785842" y="1341148"/>
+            <a:ext cx="9468194" cy="1094467"/>
+          </a:xfrm>
+          <a:prstGeom prst="rect">
+            <a:avLst/>
+          </a:prstGeom>
+          <a:noFill/>
+          <a:ln>
+            <a:noFill/>
+          </a:ln>
+        </p:spPr>
+        <p:txBody>
+          <a:bodyPr spcFirstLastPara="1" wrap="square" lIns="0" tIns="0" rIns="0" bIns="0" anchor="t" anchorCtr="0">
+            <a:spAutoFit/>
+          </a:bodyPr>
+          <a:lstStyle/>
+          <a:p>
+            <a:pPr marL="0" marR="0" lvl="0" indent="0" algn="l" rtl="0">
+              <a:lnSpc>
+                <a:spcPct val="140011"/>
+              </a:lnSpc>
+              <a:spcBef>
+                <a:spcPts val="0"/>
+              </a:spcBef>
+              <a:spcAft>
+                <a:spcPts val="0"/>
+              </a:spcAft>
+              <a:buNone/>
+            </a:pPr>
+            <a:r>
+              <a:rPr lang="ko-KR" altLang="en-US" sz="5080" dirty="0">
+                <a:solidFill>
+                  <a:srgbClr val="2E5743"/>
+                </a:solidFill>
+              </a:rPr>
+              <a:t>식단 추천 프로그램</a:t>
+            </a:r>
+            <a:r>
+              <a:rPr lang="en-US" altLang="ko-KR" sz="5080" dirty="0">
+                <a:solidFill>
+                  <a:srgbClr val="2E5743"/>
+                </a:solidFill>
+              </a:rPr>
+              <a:t>-</a:t>
+            </a:r>
+            <a:r>
+              <a:rPr lang="ko-KR" altLang="en-US" sz="5080" dirty="0" err="1">
+                <a:solidFill>
+                  <a:srgbClr val="2E5743"/>
+                </a:solidFill>
+              </a:rPr>
+              <a:t>웹구현</a:t>
+            </a:r>
+            <a:endParaRPr sz="5080" dirty="0">
+              <a:solidFill>
+                <a:srgbClr val="2E5743"/>
+              </a:solidFill>
+            </a:endParaRPr>
+          </a:p>
+        </p:txBody>
+      </p:sp>
+      <p:sp>
+        <p:nvSpPr>
+          <p:cNvPr id="262" name="Google Shape;262;p9">
+            <a:extLst>
+              <a:ext uri="{FF2B5EF4-FFF2-40B4-BE49-F238E27FC236}">
+                <a16:creationId xmlns:a16="http://schemas.microsoft.com/office/drawing/2014/main" id="{B247A246-5904-74FB-34B1-9B1505695AEB}"/>
+              </a:ext>
+            </a:extLst>
+          </p:cNvPr>
+          <p:cNvSpPr txBox="1"/>
+          <p:nvPr/>
+        </p:nvSpPr>
+        <p:spPr>
+          <a:xfrm>
+            <a:off x="1028700" y="1060789"/>
+            <a:ext cx="718069" cy="1653722"/>
+          </a:xfrm>
+          <a:prstGeom prst="rect">
+            <a:avLst/>
+          </a:prstGeom>
+          <a:noFill/>
+          <a:ln>
+            <a:noFill/>
+          </a:ln>
+        </p:spPr>
+        <p:txBody>
+          <a:bodyPr spcFirstLastPara="1" wrap="square" lIns="0" tIns="0" rIns="0" bIns="0" anchor="t" anchorCtr="0">
+            <a:spAutoFit/>
+          </a:bodyPr>
+          <a:lstStyle/>
+          <a:p>
+            <a:pPr marL="0" marR="0" lvl="0" indent="0" algn="l" rtl="0">
+              <a:lnSpc>
+                <a:spcPct val="140007"/>
+              </a:lnSpc>
+              <a:spcBef>
+                <a:spcPts val="0"/>
+              </a:spcBef>
+              <a:spcAft>
+                <a:spcPts val="0"/>
+              </a:spcAft>
+              <a:buNone/>
+            </a:pPr>
+            <a:r>
+              <a:rPr lang="en-US" sz="7676" dirty="0">
+                <a:solidFill>
+                  <a:srgbClr val="2E5743"/>
+                </a:solidFill>
+              </a:rPr>
+              <a:t>8</a:t>
+            </a:r>
+            <a:endParaRPr dirty="0"/>
+          </a:p>
+        </p:txBody>
+      </p:sp>
+      <p:pic>
+        <p:nvPicPr>
+          <p:cNvPr id="3" name="그림 2">
+            <a:extLst>
+              <a:ext uri="{FF2B5EF4-FFF2-40B4-BE49-F238E27FC236}">
+                <a16:creationId xmlns:a16="http://schemas.microsoft.com/office/drawing/2014/main" id="{ADD34DC9-E365-4A0E-8674-0A5FB607C833}"/>
+              </a:ext>
+            </a:extLst>
+          </p:cNvPr>
+          <p:cNvPicPr>
+            <a:picLocks noChangeAspect="1"/>
+          </p:cNvPicPr>
+          <p:nvPr/>
+        </p:nvPicPr>
+        <p:blipFill>
+          <a:blip r:embed="rId4"/>
+          <a:stretch>
+            <a:fillRect/>
+          </a:stretch>
+        </p:blipFill>
+        <p:spPr>
+          <a:xfrm>
+            <a:off x="3032143" y="2714511"/>
+            <a:ext cx="11978439" cy="7565330"/>
+          </a:xfrm>
+          <a:prstGeom prst="rect">
+            <a:avLst/>
+          </a:prstGeom>
+        </p:spPr>
+      </p:pic>
+    </p:spTree>
+    <p:extLst>
+      <p:ext uri="{BB962C8B-B14F-4D97-AF65-F5344CB8AC3E}">
+        <p14:creationId xmlns:p14="http://schemas.microsoft.com/office/powerpoint/2010/main" val="1248514764"/>
+      </p:ext>
+    </p:extLst>
+  </p:cSld>
+  <p:clrMapOvr>
+    <a:masterClrMapping/>
+  </p:clrMapOvr>
+</p:sld>
+</file>
+
+<file path=ppt/slides/slide24.xml><?xml version="1.0" encoding="utf-8"?>
+<p:sld xmlns:a="http://schemas.openxmlformats.org/drawingml/2006/main" xmlns:r="http://schemas.openxmlformats.org/officeDocument/2006/relationships" xmlns:p="http://schemas.openxmlformats.org/presentationml/2006/main">
+  <p:cSld>
+    <p:spTree>
+      <p:nvGrpSpPr>
         <p:cNvPr id="1" name="Shape 284"/>
         <p:cNvGrpSpPr/>
         <p:nvPr/>
@@ -25098,7 +25518,7 @@
 </p:sld>
 </file>
 
-<file path=ppt/slides/slide24.xml><?xml version="1.0" encoding="utf-8"?>
+<file path=ppt/slides/slide25.xml><?xml version="1.0" encoding="utf-8"?>
 <p:sld xmlns:a="http://schemas.openxmlformats.org/drawingml/2006/main" xmlns:r="http://schemas.openxmlformats.org/officeDocument/2006/relationships" xmlns:p="http://schemas.openxmlformats.org/presentationml/2006/main">
   <p:cSld>
     <p:spTree>

--- a/ppt/몸무게 변화 예측과 식단 추천.pptx
+++ b/ppt/몸무게 변화 예측과 식단 추천.pptx
@@ -5,7 +5,7 @@
     <p:sldMasterId id="2147483648" r:id="rId1"/>
   </p:sldMasterIdLst>
   <p:notesMasterIdLst>
-    <p:notesMasterId r:id="rId27"/>
+    <p:notesMasterId r:id="rId28"/>
   </p:notesMasterIdLst>
   <p:sldIdLst>
     <p:sldId id="256" r:id="rId2"/>
@@ -30,41 +30,30 @@
     <p:sldId id="277" r:id="rId21"/>
     <p:sldId id="278" r:id="rId22"/>
     <p:sldId id="279" r:id="rId23"/>
-    <p:sldId id="280" r:id="rId24"/>
-    <p:sldId id="266" r:id="rId25"/>
-    <p:sldId id="267" r:id="rId26"/>
+    <p:sldId id="281" r:id="rId24"/>
+    <p:sldId id="280" r:id="rId25"/>
+    <p:sldId id="266" r:id="rId26"/>
+    <p:sldId id="267" r:id="rId27"/>
   </p:sldIdLst>
   <p:sldSz cx="18288000" cy="10287000"/>
   <p:notesSz cx="6858000" cy="9144000"/>
   <p:embeddedFontLst>
     <p:embeddedFont>
       <p:font typeface="Malgun Gothic" panose="020B0503020000020004" pitchFamily="50" charset="-127"/>
-      <p:regular r:id="rId28"/>
-      <p:bold r:id="rId29"/>
-    </p:embeddedFont>
-    <p:embeddedFont>
-      <p:font typeface="Malgun Gothic" panose="020B0503020000020004" pitchFamily="50" charset="-127"/>
-      <p:regular r:id="rId28"/>
-      <p:bold r:id="rId29"/>
-    </p:embeddedFont>
-    <p:embeddedFont>
-      <p:font typeface="Calibri" panose="020F0502020204030204" pitchFamily="34" charset="0"/>
-      <p:regular r:id="rId30"/>
-      <p:bold r:id="rId31"/>
-      <p:italic r:id="rId32"/>
-      <p:boldItalic r:id="rId33"/>
+      <p:regular r:id="rId29"/>
+      <p:bold r:id="rId30"/>
     </p:embeddedFont>
     <p:embeddedFont>
       <p:font typeface="Inter" panose="020B0600000101010101" charset="0"/>
-      <p:bold r:id="rId34"/>
-      <p:boldItalic r:id="rId35"/>
+      <p:bold r:id="rId31"/>
+      <p:boldItalic r:id="rId32"/>
     </p:embeddedFont>
     <p:embeddedFont>
       <p:font typeface="Montserrat" panose="00000500000000000000" pitchFamily="2" charset="0"/>
-      <p:regular r:id="rId36"/>
-      <p:bold r:id="rId37"/>
-      <p:italic r:id="rId38"/>
-      <p:boldItalic r:id="rId39"/>
+      <p:regular r:id="rId33"/>
+      <p:bold r:id="rId34"/>
+      <p:italic r:id="rId35"/>
+      <p:boldItalic r:id="rId36"/>
     </p:embeddedFont>
   </p:embeddedFontLst>
   <p:defaultTextStyle>
@@ -312,7 +301,7 @@
       </p15:sldGuideLst>
     </p:ext>
     <p:ext uri="GoogleSlidesCustomDataVersion2">
-      <go:slidesCustomData xmlns="" xmlns:mc="http://schemas.openxmlformats.org/markup-compatibility/2006" xmlns:mv="urn:schemas-microsoft-com:mac:vml" xmlns:c="http://schemas.openxmlformats.org/drawingml/2006/chart" xmlns:dgm="http://schemas.openxmlformats.org/drawingml/2006/diagram" xmlns:o="urn:schemas-microsoft-com:office:office" xmlns:v="urn:schemas-microsoft-com:vml" xmlns:pvml="urn:schemas-microsoft-com:office:powerpoint" xmlns:com="http://schemas.openxmlformats.org/drawingml/2006/compatibility" xmlns:p14="http://schemas.microsoft.com/office/powerpoint/2010/main" xmlns:p15="http://schemas.microsoft.com/office/powerpoint/2012/main" xmlns:ahyp="http://schemas.microsoft.com/office/drawing/2018/hyperlinkcolor" xmlns:go="http://customooxmlschemas.google.com/" r:id="rId40" roundtripDataSignature="AMtx7mgIZU0ltWG5i5/+5qnlK/QxgdoS+Q=="/>
+      <go:slidesCustomData xmlns:go="http://customooxmlschemas.google.com/" xmlns:ahyp="http://schemas.microsoft.com/office/drawing/2018/hyperlinkcolor" xmlns:p15="http://schemas.microsoft.com/office/powerpoint/2012/main" xmlns:p14="http://schemas.microsoft.com/office/powerpoint/2010/main" xmlns:com="http://schemas.openxmlformats.org/drawingml/2006/compatibility" xmlns:pvml="urn:schemas-microsoft-com:office:powerpoint" xmlns:v="urn:schemas-microsoft-com:vml" xmlns:o="urn:schemas-microsoft-com:office:office" xmlns:dgm="http://schemas.openxmlformats.org/drawingml/2006/diagram" xmlns:c="http://schemas.openxmlformats.org/drawingml/2006/chart" xmlns:mv="urn:schemas-microsoft-com:mac:vml" xmlns:mc="http://schemas.openxmlformats.org/markup-compatibility/2006" xmlns="" r:id="rId40" roundtripDataSignature="AMtx7mgIZU0ltWG5i5/+5qnlK/QxgdoS+Q=="/>
     </p:ext>
   </p:extLst>
 </p:presentation>
@@ -2221,24 +2210,7 @@
               <a:rPr lang="ko-KR" altLang="en-US" b="1" dirty="0"/>
               <a:t>모델 구성 및 학습 분석 예시</a:t>
             </a:r>
-          </a:p>
-          <a:p>
-            <a:r>
-              <a:rPr lang="ko-KR" altLang="en-US" dirty="0"/>
-              <a:t>아래는 딥러닝 프로젝트를 수행할 때 </a:t>
-            </a:r>
-            <a:r>
-              <a:rPr lang="en-US" altLang="ko-KR" b="1" dirty="0"/>
-              <a:t>DNN(Deep Neural Network)</a:t>
-            </a:r>
-            <a:r>
-              <a:rPr lang="ko-KR" altLang="en-US" dirty="0"/>
-              <a:t> 모델을 구성하고 학습 및 분석을 진행하는 전반적인 예제를 개요부터 학습 분석까지 단계별로 설명한 것입니다</a:t>
-            </a:r>
-            <a:r>
-              <a:rPr lang="en-US" altLang="ko-KR" dirty="0"/>
-              <a:t>.</a:t>
-            </a:r>
+            <a:endParaRPr lang="en-US" altLang="ko-KR" b="1" dirty="0"/>
           </a:p>
           <a:p>
             <a:r>
@@ -2868,68 +2840,8 @@
               <a:buChar char="•"/>
             </a:pPr>
             <a:r>
-              <a:rPr lang="en-US" altLang="ko-KR" dirty="0"/>
-              <a:t>Loss</a:t>
-            </a:r>
-            <a:r>
               <a:rPr lang="ko-KR" altLang="en-US" dirty="0"/>
-              <a:t>와 </a:t>
-            </a:r>
-            <a:r>
-              <a:rPr lang="en-US" altLang="ko-KR" dirty="0"/>
-              <a:t>MAE</a:t>
-            </a:r>
-            <a:r>
-              <a:rPr lang="ko-KR" altLang="en-US" dirty="0"/>
-              <a:t>가 일정 수준 이상에서 수렴하는지 확인해야 합니다</a:t>
-            </a:r>
-            <a:r>
-              <a:rPr lang="en-US" altLang="ko-KR" dirty="0"/>
-              <a:t>. </a:t>
-            </a:r>
-            <a:r>
-              <a:rPr lang="ko-KR" altLang="en-US" dirty="0"/>
-              <a:t>만약 값이 지나치게 낮아지거나 </a:t>
-            </a:r>
-            <a:r>
-              <a:rPr lang="en-US" altLang="ko-KR" dirty="0"/>
-              <a:t>0</a:t>
-            </a:r>
-            <a:r>
-              <a:rPr lang="ko-KR" altLang="en-US" dirty="0"/>
-              <a:t>에 가까워진다면</a:t>
-            </a:r>
-            <a:r>
-              <a:rPr lang="en-US" altLang="ko-KR" dirty="0"/>
-              <a:t>, </a:t>
-            </a:r>
-            <a:r>
-              <a:rPr lang="ko-KR" altLang="en-US" dirty="0"/>
-              <a:t>이는 </a:t>
-            </a:r>
-            <a:r>
-              <a:rPr lang="ko-KR" altLang="en-US" dirty="0" err="1"/>
-              <a:t>과적합</a:t>
-            </a:r>
-            <a:r>
-              <a:rPr lang="en-US" altLang="ko-KR" dirty="0"/>
-              <a:t>(overfitting)</a:t>
-            </a:r>
-            <a:r>
-              <a:rPr lang="ko-KR" altLang="en-US" dirty="0"/>
-              <a:t>의 가능성이 있습니다</a:t>
-            </a:r>
-            <a:r>
-              <a:rPr lang="en-US" altLang="ko-KR" dirty="0"/>
-              <a:t>. </a:t>
-            </a:r>
-            <a:r>
-              <a:rPr lang="ko-KR" altLang="en-US" dirty="0" err="1"/>
-              <a:t>업로드된</a:t>
-            </a:r>
-            <a:r>
-              <a:rPr lang="ko-KR" altLang="en-US" dirty="0"/>
-              <a:t> 그래프에서는 적당한 수준에서 수렴하는 것처럼 보입니다</a:t>
+              <a:t>그래프에서는 적당한 수준에서 수렴하는 것처럼 보입니다</a:t>
             </a:r>
             <a:r>
               <a:rPr lang="en-US" altLang="ko-KR" dirty="0"/>
@@ -3514,6 +3426,133 @@
         <p:cNvPr id="1" name="Shape 255">
           <a:extLst>
             <a:ext uri="{FF2B5EF4-FFF2-40B4-BE49-F238E27FC236}">
+              <a16:creationId xmlns:a16="http://schemas.microsoft.com/office/drawing/2014/main" id="{2DD3961B-ECA8-0640-B2E8-28E07CB2BEAD}"/>
+            </a:ext>
+          </a:extLst>
+        </p:cNvPr>
+        <p:cNvGrpSpPr/>
+        <p:nvPr/>
+      </p:nvGrpSpPr>
+      <p:grpSpPr>
+        <a:xfrm>
+          <a:off x="0" y="0"/>
+          <a:ext cx="0" cy="0"/>
+          <a:chOff x="0" y="0"/>
+          <a:chExt cx="0" cy="0"/>
+        </a:xfrm>
+      </p:grpSpPr>
+      <p:sp>
+        <p:nvSpPr>
+          <p:cNvPr id="256" name="Google Shape;256;p9:notes">
+            <a:extLst>
+              <a:ext uri="{FF2B5EF4-FFF2-40B4-BE49-F238E27FC236}">
+                <a16:creationId xmlns:a16="http://schemas.microsoft.com/office/drawing/2014/main" id="{FEF44DC4-422E-56A5-0C2E-3F7F6D24BC78}"/>
+              </a:ext>
+            </a:extLst>
+          </p:cNvPr>
+          <p:cNvSpPr txBox="1">
+            <a:spLocks noGrp="1"/>
+          </p:cNvSpPr>
+          <p:nvPr>
+            <p:ph type="body" idx="1"/>
+          </p:nvPr>
+        </p:nvSpPr>
+        <p:spPr>
+          <a:xfrm>
+            <a:off x="685800" y="4343400"/>
+            <a:ext cx="5486400" cy="4114800"/>
+          </a:xfrm>
+          <a:prstGeom prst="rect">
+            <a:avLst/>
+          </a:prstGeom>
+        </p:spPr>
+        <p:txBody>
+          <a:bodyPr spcFirstLastPara="1" wrap="square" lIns="91425" tIns="91425" rIns="91425" bIns="91425" anchor="t" anchorCtr="0">
+            <a:noAutofit/>
+          </a:bodyPr>
+          <a:lstStyle/>
+          <a:p>
+            <a:pPr marL="0" lvl="0" indent="0" algn="l" rtl="0">
+              <a:spcBef>
+                <a:spcPts val="0"/>
+              </a:spcBef>
+              <a:spcAft>
+                <a:spcPts val="0"/>
+              </a:spcAft>
+              <a:buNone/>
+            </a:pPr>
+            <a:endParaRPr dirty="0"/>
+          </a:p>
+        </p:txBody>
+      </p:sp>
+      <p:sp>
+        <p:nvSpPr>
+          <p:cNvPr id="257" name="Google Shape;257;p9:notes">
+            <a:extLst>
+              <a:ext uri="{FF2B5EF4-FFF2-40B4-BE49-F238E27FC236}">
+                <a16:creationId xmlns:a16="http://schemas.microsoft.com/office/drawing/2014/main" id="{CD0DEEC4-0467-933C-A06D-4D69B84045B3}"/>
+              </a:ext>
+            </a:extLst>
+          </p:cNvPr>
+          <p:cNvSpPr>
+            <a:spLocks noGrp="1" noRot="1" noChangeAspect="1"/>
+          </p:cNvSpPr>
+          <p:nvPr>
+            <p:ph type="sldImg" idx="2"/>
+          </p:nvPr>
+        </p:nvSpPr>
+        <p:spPr>
+          <a:xfrm>
+            <a:off x="381000" y="685800"/>
+            <a:ext cx="6096000" cy="3429000"/>
+          </a:xfrm>
+          <a:custGeom>
+            <a:avLst/>
+            <a:gdLst/>
+            <a:ahLst/>
+            <a:cxnLst/>
+            <a:rect l="l" t="t" r="r" b="b"/>
+            <a:pathLst>
+              <a:path w="120000" h="120000" extrusionOk="0">
+                <a:moveTo>
+                  <a:pt x="0" y="0"/>
+                </a:moveTo>
+                <a:lnTo>
+                  <a:pt x="120000" y="0"/>
+                </a:lnTo>
+                <a:lnTo>
+                  <a:pt x="120000" y="120000"/>
+                </a:lnTo>
+                <a:lnTo>
+                  <a:pt x="0" y="120000"/>
+                </a:lnTo>
+                <a:close/>
+              </a:path>
+            </a:pathLst>
+          </a:custGeom>
+        </p:spPr>
+      </p:sp>
+    </p:spTree>
+    <p:extLst>
+      <p:ext uri="{BB962C8B-B14F-4D97-AF65-F5344CB8AC3E}">
+        <p14:creationId xmlns:p14="http://schemas.microsoft.com/office/powerpoint/2010/main" val="2380517586"/>
+      </p:ext>
+    </p:extLst>
+  </p:cSld>
+  <p:clrMapOvr>
+    <a:masterClrMapping/>
+  </p:clrMapOvr>
+</p:notes>
+</file>
+
+<file path=ppt/notesSlides/notesSlide24.xml><?xml version="1.0" encoding="utf-8"?>
+<p:notes xmlns:a="http://schemas.openxmlformats.org/drawingml/2006/main" xmlns:r="http://schemas.openxmlformats.org/officeDocument/2006/relationships" xmlns:p="http://schemas.openxmlformats.org/presentationml/2006/main" showMasterSp="0" showMasterPhAnim="0">
+  <p:cSld>
+    <p:spTree>
+      <p:nvGrpSpPr>
+        <p:cNvPr id="1" name="Shape 255">
+          <a:extLst>
+            <a:ext uri="{FF2B5EF4-FFF2-40B4-BE49-F238E27FC236}">
               <a16:creationId xmlns:a16="http://schemas.microsoft.com/office/drawing/2014/main" id="{D2B6AFC2-25B7-F406-CD59-C564F1DD938C}"/>
             </a:ext>
           </a:extLst>
@@ -3633,7 +3672,7 @@
 </p:notes>
 </file>
 
-<file path=ppt/notesSlides/notesSlide24.xml><?xml version="1.0" encoding="utf-8"?>
+<file path=ppt/notesSlides/notesSlide25.xml><?xml version="1.0" encoding="utf-8"?>
 <p:notes xmlns:a="http://schemas.openxmlformats.org/drawingml/2006/main" xmlns:r="http://schemas.openxmlformats.org/officeDocument/2006/relationships" xmlns:p="http://schemas.openxmlformats.org/presentationml/2006/main" showMasterSp="0" showMasterPhAnim="0">
   <p:cSld>
     <p:spTree>
@@ -3737,7 +3776,7 @@
 </p:notes>
 </file>
 
-<file path=ppt/notesSlides/notesSlide25.xml><?xml version="1.0" encoding="utf-8"?>
+<file path=ppt/notesSlides/notesSlide26.xml><?xml version="1.0" encoding="utf-8"?>
 <p:notes xmlns:a="http://schemas.openxmlformats.org/drawingml/2006/main" xmlns:r="http://schemas.openxmlformats.org/officeDocument/2006/relationships" xmlns:p="http://schemas.openxmlformats.org/presentationml/2006/main" showMasterSp="0" showMasterPhAnim="0">
   <p:cSld>
     <p:spTree>
@@ -4208,7 +4247,7 @@
               </a:spcAft>
               <a:buNone/>
             </a:pPr>
-            <a:endParaRPr/>
+            <a:endParaRPr dirty="0"/>
           </a:p>
         </p:txBody>
       </p:sp>
@@ -16111,8 +16150,8 @@
         </p:blipFill>
         <p:spPr bwMode="auto">
           <a:xfrm>
-            <a:off x="10296525" y="3773684"/>
-            <a:ext cx="6986588" cy="5269473"/>
+            <a:off x="9532622" y="3428210"/>
+            <a:ext cx="7687344" cy="5798002"/>
           </a:xfrm>
           <a:prstGeom prst="rect">
             <a:avLst/>
@@ -16129,55 +16168,6 @@
           </a:extLst>
         </p:spPr>
       </p:pic>
-      <p:sp>
-        <p:nvSpPr>
-          <p:cNvPr id="4" name="화살표: 오른쪽 3">
-            <a:extLst>
-              <a:ext uri="{FF2B5EF4-FFF2-40B4-BE49-F238E27FC236}">
-                <a16:creationId xmlns:a16="http://schemas.microsoft.com/office/drawing/2014/main" id="{F5171EF0-B2C7-0A02-4265-DA7CCAEF25EB}"/>
-              </a:ext>
-            </a:extLst>
-          </p:cNvPr>
-          <p:cNvSpPr/>
-          <p:nvPr/>
-        </p:nvSpPr>
-        <p:spPr>
-          <a:xfrm>
-            <a:off x="8153400" y="5936937"/>
-            <a:ext cx="2019300" cy="942965"/>
-          </a:xfrm>
-          <a:prstGeom prst="rightArrow">
-            <a:avLst/>
-          </a:prstGeom>
-          <a:solidFill>
-            <a:srgbClr val="C4BD97"/>
-          </a:solidFill>
-        </p:spPr>
-        <p:style>
-          <a:lnRef idx="2">
-            <a:schemeClr val="accent1">
-              <a:shade val="15000"/>
-            </a:schemeClr>
-          </a:lnRef>
-          <a:fillRef idx="1">
-            <a:schemeClr val="accent1"/>
-          </a:fillRef>
-          <a:effectRef idx="0">
-            <a:schemeClr val="accent1"/>
-          </a:effectRef>
-          <a:fontRef idx="minor">
-            <a:schemeClr val="lt1"/>
-          </a:fontRef>
-        </p:style>
-        <p:txBody>
-          <a:bodyPr rtlCol="0" anchor="ctr"/>
-          <a:lstStyle/>
-          <a:p>
-            <a:pPr algn="ctr"/>
-            <a:endParaRPr lang="ko-KR" altLang="en-US"/>
-          </a:p>
-        </p:txBody>
-      </p:sp>
       <p:pic>
         <p:nvPicPr>
           <p:cNvPr id="5" name="그림 4">
@@ -16200,8 +16190,8 @@
         </p:blipFill>
         <p:spPr>
           <a:xfrm>
-            <a:off x="965552" y="3812473"/>
-            <a:ext cx="7025924" cy="5230677"/>
+            <a:off x="1028700" y="3473834"/>
+            <a:ext cx="7726680" cy="5752378"/>
           </a:xfrm>
           <a:prstGeom prst="rect">
             <a:avLst/>
@@ -16554,8 +16544,8 @@
         </p:blipFill>
         <p:spPr bwMode="auto">
           <a:xfrm>
-            <a:off x="9548814" y="3772068"/>
-            <a:ext cx="8091633" cy="5762453"/>
+            <a:off x="9185944" y="3513650"/>
+            <a:ext cx="8454503" cy="6020871"/>
           </a:xfrm>
           <a:prstGeom prst="rect">
             <a:avLst/>
@@ -16594,8 +16584,8 @@
         </p:blipFill>
         <p:spPr>
           <a:xfrm>
-            <a:off x="1028700" y="3773684"/>
-            <a:ext cx="7034213" cy="5875834"/>
+            <a:off x="1028700" y="3453040"/>
+            <a:ext cx="7418070" cy="6196478"/>
           </a:xfrm>
           <a:prstGeom prst="rect">
             <a:avLst/>
@@ -16950,7 +16940,7 @@
         <p:spPr>
           <a:xfrm>
             <a:off x="1028700" y="3662154"/>
-            <a:ext cx="7582378" cy="4467651"/>
+            <a:ext cx="7582378" cy="4921775"/>
           </a:xfrm>
           <a:prstGeom prst="rect">
             <a:avLst/>
@@ -16980,62 +16970,13 @@
         <p:spPr>
           <a:xfrm>
             <a:off x="9676921" y="3662155"/>
-            <a:ext cx="7582379" cy="4467651"/>
+            <a:ext cx="7582379" cy="4921770"/>
           </a:xfrm>
           <a:prstGeom prst="rect">
             <a:avLst/>
           </a:prstGeom>
         </p:spPr>
       </p:pic>
-      <p:sp>
-        <p:nvSpPr>
-          <p:cNvPr id="7" name="화살표: 오른쪽 6">
-            <a:extLst>
-              <a:ext uri="{FF2B5EF4-FFF2-40B4-BE49-F238E27FC236}">
-                <a16:creationId xmlns:a16="http://schemas.microsoft.com/office/drawing/2014/main" id="{F1F68BDC-CCA6-5BE1-BDE3-EDB7ECB0EB8F}"/>
-              </a:ext>
-            </a:extLst>
-          </p:cNvPr>
-          <p:cNvSpPr/>
-          <p:nvPr/>
-        </p:nvSpPr>
-        <p:spPr>
-          <a:xfrm>
-            <a:off x="8611078" y="5424496"/>
-            <a:ext cx="1113309" cy="942965"/>
-          </a:xfrm>
-          <a:prstGeom prst="rightArrow">
-            <a:avLst/>
-          </a:prstGeom>
-          <a:solidFill>
-            <a:srgbClr val="C4BD97"/>
-          </a:solidFill>
-        </p:spPr>
-        <p:style>
-          <a:lnRef idx="2">
-            <a:schemeClr val="accent1">
-              <a:shade val="15000"/>
-            </a:schemeClr>
-          </a:lnRef>
-          <a:fillRef idx="1">
-            <a:schemeClr val="accent1"/>
-          </a:fillRef>
-          <a:effectRef idx="0">
-            <a:schemeClr val="accent1"/>
-          </a:effectRef>
-          <a:fontRef idx="minor">
-            <a:schemeClr val="lt1"/>
-          </a:fontRef>
-        </p:style>
-        <p:txBody>
-          <a:bodyPr rtlCol="0" anchor="ctr"/>
-          <a:lstStyle/>
-          <a:p>
-            <a:pPr algn="ctr"/>
-            <a:endParaRPr lang="ko-KR" altLang="en-US"/>
-          </a:p>
-        </p:txBody>
-      </p:sp>
     </p:spTree>
     <p:extLst>
       <p:ext uri="{BB962C8B-B14F-4D97-AF65-F5344CB8AC3E}">
@@ -17315,8 +17256,8 @@
         </p:blipFill>
         <p:spPr>
           <a:xfrm>
-            <a:off x="1028700" y="4248151"/>
-            <a:ext cx="7247701" cy="2443356"/>
+            <a:off x="1028700" y="3493695"/>
+            <a:ext cx="8013813" cy="2910160"/>
           </a:xfrm>
           <a:prstGeom prst="rect">
             <a:avLst/>
@@ -17345,8 +17286,8 @@
         </p:blipFill>
         <p:spPr>
           <a:xfrm>
-            <a:off x="1028699" y="6691507"/>
-            <a:ext cx="7247701" cy="2721289"/>
+            <a:off x="1028699" y="6403855"/>
+            <a:ext cx="8013814" cy="3008941"/>
           </a:xfrm>
           <a:prstGeom prst="rect">
             <a:avLst/>
@@ -17375,8 +17316,8 @@
         </p:blipFill>
         <p:spPr>
           <a:xfrm>
-            <a:off x="9641304" y="4248152"/>
-            <a:ext cx="7617995" cy="5164640"/>
+            <a:off x="9245486" y="3493695"/>
+            <a:ext cx="8101302" cy="5919100"/>
           </a:xfrm>
           <a:prstGeom prst="rect">
             <a:avLst/>
@@ -17397,8 +17338,8 @@
         </p:nvSpPr>
         <p:spPr>
           <a:xfrm>
-            <a:off x="1028699" y="2589090"/>
-            <a:ext cx="3790950" cy="646331"/>
+            <a:off x="1028698" y="2589090"/>
+            <a:ext cx="5509261" cy="646331"/>
           </a:xfrm>
           <a:prstGeom prst="rect">
             <a:avLst/>
@@ -17427,67 +17368,18 @@
               <a:buNone/>
             </a:pPr>
             <a:r>
-              <a:rPr lang="ko-KR" altLang="en-US" sz="3000" b="1" dirty="0">
+              <a:rPr lang="ko-KR" altLang="en-US" sz="3000" b="1">
                 <a:solidFill>
                   <a:srgbClr val="373737"/>
                 </a:solidFill>
               </a:rPr>
-              <a:t>학습을 예측할 데이터</a:t>
+              <a:t>모델의 일반화 테스트할 데이터</a:t>
             </a:r>
             <a:endParaRPr sz="3000" dirty="0">
               <a:solidFill>
                 <a:srgbClr val="373737"/>
               </a:solidFill>
             </a:endParaRPr>
-          </a:p>
-        </p:txBody>
-      </p:sp>
-      <p:sp>
-        <p:nvSpPr>
-          <p:cNvPr id="12" name="화살표: 오른쪽 11">
-            <a:extLst>
-              <a:ext uri="{FF2B5EF4-FFF2-40B4-BE49-F238E27FC236}">
-                <a16:creationId xmlns:a16="http://schemas.microsoft.com/office/drawing/2014/main" id="{CF99D328-D883-1CEE-263E-CE97F3F520C3}"/>
-              </a:ext>
-            </a:extLst>
-          </p:cNvPr>
-          <p:cNvSpPr/>
-          <p:nvPr/>
-        </p:nvSpPr>
-        <p:spPr>
-          <a:xfrm>
-            <a:off x="8276401" y="5936938"/>
-            <a:ext cx="1113309" cy="942965"/>
-          </a:xfrm>
-          <a:prstGeom prst="rightArrow">
-            <a:avLst/>
-          </a:prstGeom>
-          <a:solidFill>
-            <a:srgbClr val="C4BD97"/>
-          </a:solidFill>
-        </p:spPr>
-        <p:style>
-          <a:lnRef idx="2">
-            <a:schemeClr val="accent1">
-              <a:shade val="15000"/>
-            </a:schemeClr>
-          </a:lnRef>
-          <a:fillRef idx="1">
-            <a:schemeClr val="accent1"/>
-          </a:fillRef>
-          <a:effectRef idx="0">
-            <a:schemeClr val="accent1"/>
-          </a:effectRef>
-          <a:fontRef idx="minor">
-            <a:schemeClr val="lt1"/>
-          </a:fontRef>
-        </p:style>
-        <p:txBody>
-          <a:bodyPr rtlCol="0" anchor="ctr"/>
-          <a:lstStyle/>
-          <a:p>
-            <a:pPr algn="ctr"/>
-            <a:endParaRPr lang="ko-KR" altLang="en-US"/>
           </a:p>
         </p:txBody>
       </p:sp>
@@ -17764,7 +17656,7 @@
         <p:spPr>
           <a:xfrm>
             <a:off x="962024" y="2704166"/>
-            <a:ext cx="3267076" cy="646331"/>
+            <a:ext cx="4741546" cy="646331"/>
           </a:xfrm>
           <a:prstGeom prst="rect">
             <a:avLst/>
@@ -17799,6 +17691,38 @@
                 </a:solidFill>
               </a:rPr>
               <a:t>추후 활용 데이터</a:t>
+            </a:r>
+            <a:r>
+              <a:rPr lang="en-US" altLang="ko-KR" sz="3000" b="1" dirty="0">
+                <a:solidFill>
+                  <a:srgbClr val="373737"/>
+                </a:solidFill>
+              </a:rPr>
+              <a:t>(</a:t>
+            </a:r>
+            <a:r>
+              <a:rPr lang="en-US" altLang="ko-KR" sz="3000" b="1" dirty="0" err="1">
+                <a:solidFill>
+                  <a:srgbClr val="373737"/>
+                </a:solidFill>
+              </a:rPr>
+              <a:t>api</a:t>
+            </a:r>
+            <a:r>
+              <a:rPr lang="ko-KR" altLang="en-US" sz="3000" b="1" dirty="0">
+                <a:solidFill>
+                  <a:srgbClr val="373737"/>
+                </a:solidFill>
+              </a:rPr>
+              <a:t> 사용</a:t>
+            </a:r>
+            <a:r>
+              <a:rPr lang="en-US" altLang="ko-KR" sz="3000" b="1" dirty="0">
+                <a:solidFill>
+                  <a:srgbClr val="373737"/>
+                </a:solidFill>
+              </a:rPr>
+              <a:t>)</a:t>
             </a:r>
             <a:endParaRPr sz="3000" dirty="0">
               <a:solidFill>
@@ -24182,55 +24106,6 @@
           </a:prstGeom>
         </p:spPr>
       </p:pic>
-      <p:sp>
-        <p:nvSpPr>
-          <p:cNvPr id="8" name="화살표: 오른쪽 7">
-            <a:extLst>
-              <a:ext uri="{FF2B5EF4-FFF2-40B4-BE49-F238E27FC236}">
-                <a16:creationId xmlns:a16="http://schemas.microsoft.com/office/drawing/2014/main" id="{016FC5A1-4B06-A624-04DF-5989816A56E9}"/>
-              </a:ext>
-            </a:extLst>
-          </p:cNvPr>
-          <p:cNvSpPr/>
-          <p:nvPr/>
-        </p:nvSpPr>
-        <p:spPr>
-          <a:xfrm>
-            <a:off x="7091514" y="5936938"/>
-            <a:ext cx="1113309" cy="942965"/>
-          </a:xfrm>
-          <a:prstGeom prst="rightArrow">
-            <a:avLst/>
-          </a:prstGeom>
-          <a:solidFill>
-            <a:srgbClr val="C4BD97"/>
-          </a:solidFill>
-        </p:spPr>
-        <p:style>
-          <a:lnRef idx="2">
-            <a:schemeClr val="accent1">
-              <a:shade val="15000"/>
-            </a:schemeClr>
-          </a:lnRef>
-          <a:fillRef idx="1">
-            <a:schemeClr val="accent1"/>
-          </a:fillRef>
-          <a:effectRef idx="0">
-            <a:schemeClr val="accent1"/>
-          </a:effectRef>
-          <a:fontRef idx="minor">
-            <a:schemeClr val="lt1"/>
-          </a:fontRef>
-        </p:style>
-        <p:txBody>
-          <a:bodyPr rtlCol="0" anchor="ctr"/>
-          <a:lstStyle/>
-          <a:p>
-            <a:pPr algn="ctr"/>
-            <a:endParaRPr lang="ko-KR" altLang="en-US"/>
-          </a:p>
-        </p:txBody>
-      </p:sp>
     </p:spTree>
     <p:extLst>
       <p:ext uri="{BB962C8B-B14F-4D97-AF65-F5344CB8AC3E}">
@@ -24252,7 +24127,7 @@
         <p:cNvPr id="1" name="Shape 258">
           <a:extLst>
             <a:ext uri="{FF2B5EF4-FFF2-40B4-BE49-F238E27FC236}">
-              <a16:creationId xmlns:a16="http://schemas.microsoft.com/office/drawing/2014/main" id="{467756EE-B014-83D3-686F-7045C81E2279}"/>
+              <a16:creationId xmlns:a16="http://schemas.microsoft.com/office/drawing/2014/main" id="{26B064D2-B62B-A338-6887-B7E6090E4662}"/>
             </a:ext>
           </a:extLst>
         </p:cNvPr>
@@ -24272,7 +24147,7 @@
           <p:cNvPr id="259" name="Google Shape;259;p9">
             <a:extLst>
               <a:ext uri="{FF2B5EF4-FFF2-40B4-BE49-F238E27FC236}">
-                <a16:creationId xmlns:a16="http://schemas.microsoft.com/office/drawing/2014/main" id="{AC505416-F812-2019-0344-FF6EF16EE1B8}"/>
+                <a16:creationId xmlns:a16="http://schemas.microsoft.com/office/drawing/2014/main" id="{EC55B66E-156A-E0CA-50C1-427155BF6C11}"/>
               </a:ext>
             </a:extLst>
           </p:cNvPr>
@@ -24327,7 +24202,1098 @@
           <a:bodyPr/>
           <a:lstStyle/>
           <a:p>
+            <a:endParaRPr lang="ko-KR" altLang="en-US" dirty="0"/>
+          </a:p>
+        </p:txBody>
+      </p:sp>
+      <p:cxnSp>
+        <p:nvCxnSpPr>
+          <p:cNvPr id="260" name="Google Shape;260;p9">
+            <a:extLst>
+              <a:ext uri="{FF2B5EF4-FFF2-40B4-BE49-F238E27FC236}">
+                <a16:creationId xmlns:a16="http://schemas.microsoft.com/office/drawing/2014/main" id="{D102DC22-1CCE-8D70-5665-6EF19614F996}"/>
+              </a:ext>
+            </a:extLst>
+          </p:cNvPr>
+          <p:cNvCxnSpPr/>
+          <p:nvPr/>
+        </p:nvCxnSpPr>
+        <p:spPr>
+          <a:xfrm>
+            <a:off x="1028700" y="2529840"/>
+            <a:ext cx="16230600" cy="0"/>
+          </a:xfrm>
+          <a:prstGeom prst="straightConnector1">
+            <a:avLst/>
+          </a:prstGeom>
+          <a:noFill/>
+          <a:ln w="19050" cap="flat" cmpd="sng">
+            <a:solidFill>
+              <a:srgbClr val="373737"/>
+            </a:solidFill>
+            <a:prstDash val="solid"/>
+            <a:round/>
+            <a:headEnd type="none" w="sm" len="sm"/>
+            <a:tailEnd type="none" w="sm" len="sm"/>
+          </a:ln>
+        </p:spPr>
+      </p:cxnSp>
+      <p:sp>
+        <p:nvSpPr>
+          <p:cNvPr id="261" name="Google Shape;261;p9">
+            <a:extLst>
+              <a:ext uri="{FF2B5EF4-FFF2-40B4-BE49-F238E27FC236}">
+                <a16:creationId xmlns:a16="http://schemas.microsoft.com/office/drawing/2014/main" id="{A2A39B23-7BA6-8F1C-1D69-133440D6A9DC}"/>
+              </a:ext>
+            </a:extLst>
+          </p:cNvPr>
+          <p:cNvSpPr txBox="1"/>
+          <p:nvPr/>
+        </p:nvSpPr>
+        <p:spPr>
+          <a:xfrm>
+            <a:off x="1785842" y="1341148"/>
+            <a:ext cx="9468194" cy="1094467"/>
+          </a:xfrm>
+          <a:prstGeom prst="rect">
+            <a:avLst/>
+          </a:prstGeom>
+          <a:noFill/>
+          <a:ln>
+            <a:noFill/>
+          </a:ln>
+        </p:spPr>
+        <p:txBody>
+          <a:bodyPr spcFirstLastPara="1" wrap="square" lIns="0" tIns="0" rIns="0" bIns="0" anchor="t" anchorCtr="0">
+            <a:spAutoFit/>
+          </a:bodyPr>
+          <a:lstStyle/>
+          <a:p>
+            <a:pPr marL="0" marR="0" lvl="0" indent="0" algn="l" rtl="0">
+              <a:lnSpc>
+                <a:spcPct val="140011"/>
+              </a:lnSpc>
+              <a:spcBef>
+                <a:spcPts val="0"/>
+              </a:spcBef>
+              <a:spcAft>
+                <a:spcPts val="0"/>
+              </a:spcAft>
+              <a:buNone/>
+            </a:pPr>
+            <a:r>
+              <a:rPr lang="ko-KR" altLang="en-US" sz="5080" dirty="0">
+                <a:solidFill>
+                  <a:srgbClr val="2E5743"/>
+                </a:solidFill>
+              </a:rPr>
+              <a:t>식단 추천 프로그램</a:t>
+            </a:r>
+            <a:r>
+              <a:rPr lang="en-US" altLang="ko-KR" sz="5080" dirty="0">
+                <a:solidFill>
+                  <a:srgbClr val="2E5743"/>
+                </a:solidFill>
+              </a:rPr>
+              <a:t>-</a:t>
+            </a:r>
+            <a:r>
+              <a:rPr lang="ko-KR" altLang="en-US" sz="5080" dirty="0" err="1">
+                <a:solidFill>
+                  <a:srgbClr val="2E5743"/>
+                </a:solidFill>
+              </a:rPr>
+              <a:t>웹구현</a:t>
+            </a:r>
+            <a:r>
+              <a:rPr lang="en-US" altLang="ko-KR" sz="5080" dirty="0">
+                <a:solidFill>
+                  <a:srgbClr val="2E5743"/>
+                </a:solidFill>
+              </a:rPr>
+              <a:t>(Input)</a:t>
+            </a:r>
+            <a:endParaRPr sz="5080" dirty="0">
+              <a:solidFill>
+                <a:srgbClr val="2E5743"/>
+              </a:solidFill>
+            </a:endParaRPr>
+          </a:p>
+        </p:txBody>
+      </p:sp>
+      <p:sp>
+        <p:nvSpPr>
+          <p:cNvPr id="262" name="Google Shape;262;p9">
+            <a:extLst>
+              <a:ext uri="{FF2B5EF4-FFF2-40B4-BE49-F238E27FC236}">
+                <a16:creationId xmlns:a16="http://schemas.microsoft.com/office/drawing/2014/main" id="{05B5D4B6-50C1-FD7C-C25B-7DFAFDCB5BC1}"/>
+              </a:ext>
+            </a:extLst>
+          </p:cNvPr>
+          <p:cNvSpPr txBox="1"/>
+          <p:nvPr/>
+        </p:nvSpPr>
+        <p:spPr>
+          <a:xfrm>
+            <a:off x="1028700" y="1060789"/>
+            <a:ext cx="718069" cy="1653722"/>
+          </a:xfrm>
+          <a:prstGeom prst="rect">
+            <a:avLst/>
+          </a:prstGeom>
+          <a:noFill/>
+          <a:ln>
+            <a:noFill/>
+          </a:ln>
+        </p:spPr>
+        <p:txBody>
+          <a:bodyPr spcFirstLastPara="1" wrap="square" lIns="0" tIns="0" rIns="0" bIns="0" anchor="t" anchorCtr="0">
+            <a:spAutoFit/>
+          </a:bodyPr>
+          <a:lstStyle/>
+          <a:p>
+            <a:pPr marL="0" marR="0" lvl="0" indent="0" algn="l" rtl="0">
+              <a:lnSpc>
+                <a:spcPct val="140007"/>
+              </a:lnSpc>
+              <a:spcBef>
+                <a:spcPts val="0"/>
+              </a:spcBef>
+              <a:spcAft>
+                <a:spcPts val="0"/>
+              </a:spcAft>
+              <a:buNone/>
+            </a:pPr>
+            <a:r>
+              <a:rPr lang="en-US" sz="7676" dirty="0">
+                <a:solidFill>
+                  <a:srgbClr val="2E5743"/>
+                </a:solidFill>
+              </a:rPr>
+              <a:t>9</a:t>
+            </a:r>
+            <a:endParaRPr dirty="0"/>
+          </a:p>
+        </p:txBody>
+      </p:sp>
+      <p:pic>
+        <p:nvPicPr>
+          <p:cNvPr id="11" name="그림 10">
+            <a:extLst>
+              <a:ext uri="{FF2B5EF4-FFF2-40B4-BE49-F238E27FC236}">
+                <a16:creationId xmlns:a16="http://schemas.microsoft.com/office/drawing/2014/main" id="{BFA65380-4F39-6C89-FEDE-3BC87586BCCB}"/>
+              </a:ext>
+            </a:extLst>
+          </p:cNvPr>
+          <p:cNvPicPr>
+            <a:picLocks noChangeAspect="1"/>
+          </p:cNvPicPr>
+          <p:nvPr/>
+        </p:nvPicPr>
+        <p:blipFill>
+          <a:blip r:embed="rId4"/>
+          <a:stretch>
+            <a:fillRect/>
+          </a:stretch>
+        </p:blipFill>
+        <p:spPr>
+          <a:xfrm>
+            <a:off x="4724349" y="2693152"/>
+            <a:ext cx="8449854" cy="7430537"/>
+          </a:xfrm>
+          <a:prstGeom prst="rect">
+            <a:avLst/>
+          </a:prstGeom>
+        </p:spPr>
+      </p:pic>
+      <p:sp>
+        <p:nvSpPr>
+          <p:cNvPr id="7" name="직사각형 6">
+            <a:extLst>
+              <a:ext uri="{FF2B5EF4-FFF2-40B4-BE49-F238E27FC236}">
+                <a16:creationId xmlns:a16="http://schemas.microsoft.com/office/drawing/2014/main" id="{2FAD989C-5945-990D-0C53-5C52E82900B3}"/>
+              </a:ext>
+            </a:extLst>
+          </p:cNvPr>
+          <p:cNvSpPr/>
+          <p:nvPr/>
+        </p:nvSpPr>
+        <p:spPr>
+          <a:xfrm>
+            <a:off x="5571779" y="4648296"/>
+            <a:ext cx="2475471" cy="870822"/>
+          </a:xfrm>
+          <a:prstGeom prst="rect">
+            <a:avLst/>
+          </a:prstGeom>
+          <a:noFill/>
+          <a:ln w="57150" cap="flat" cmpd="sng" algn="ctr">
+            <a:solidFill>
+              <a:schemeClr val="accent6"/>
+            </a:solidFill>
+            <a:prstDash val="solid"/>
+            <a:round/>
+            <a:headEnd type="none" w="med" len="med"/>
+            <a:tailEnd type="none" w="med" len="med"/>
+          </a:ln>
+        </p:spPr>
+        <p:style>
+          <a:lnRef idx="0">
+            <a:scrgbClr r="0" g="0" b="0"/>
+          </a:lnRef>
+          <a:fillRef idx="0">
+            <a:scrgbClr r="0" g="0" b="0"/>
+          </a:fillRef>
+          <a:effectRef idx="0">
+            <a:scrgbClr r="0" g="0" b="0"/>
+          </a:effectRef>
+          <a:fontRef idx="minor">
+            <a:schemeClr val="accent6"/>
+          </a:fontRef>
+        </p:style>
+        <p:txBody>
+          <a:bodyPr rtlCol="0" anchor="ctr"/>
+          <a:lstStyle/>
+          <a:p>
+            <a:pPr algn="ctr"/>
             <a:endParaRPr lang="ko-KR" altLang="en-US"/>
+          </a:p>
+        </p:txBody>
+      </p:sp>
+      <p:cxnSp>
+        <p:nvCxnSpPr>
+          <p:cNvPr id="13" name="연결선: 꺾임 12">
+            <a:extLst>
+              <a:ext uri="{FF2B5EF4-FFF2-40B4-BE49-F238E27FC236}">
+                <a16:creationId xmlns:a16="http://schemas.microsoft.com/office/drawing/2014/main" id="{05E5533F-F8E5-D87E-06D3-670FB7A29815}"/>
+              </a:ext>
+            </a:extLst>
+          </p:cNvPr>
+          <p:cNvCxnSpPr>
+            <a:cxnSpLocks/>
+            <a:endCxn id="34" idx="1"/>
+          </p:cNvCxnSpPr>
+          <p:nvPr/>
+        </p:nvCxnSpPr>
+        <p:spPr>
+          <a:xfrm>
+            <a:off x="8102219" y="8526108"/>
+            <a:ext cx="3075361" cy="686155"/>
+          </a:xfrm>
+          <a:prstGeom prst="bentConnector3">
+            <a:avLst>
+              <a:gd name="adj1" fmla="val 50000"/>
+            </a:avLst>
+          </a:prstGeom>
+          <a:ln w="38100"/>
+        </p:spPr>
+        <p:style>
+          <a:lnRef idx="1">
+            <a:schemeClr val="accent6"/>
+          </a:lnRef>
+          <a:fillRef idx="0">
+            <a:schemeClr val="accent6"/>
+          </a:fillRef>
+          <a:effectRef idx="0">
+            <a:schemeClr val="accent6"/>
+          </a:effectRef>
+          <a:fontRef idx="minor">
+            <a:schemeClr val="tx1"/>
+          </a:fontRef>
+        </p:style>
+      </p:cxnSp>
+      <p:sp>
+        <p:nvSpPr>
+          <p:cNvPr id="25" name="TextBox 24">
+            <a:extLst>
+              <a:ext uri="{FF2B5EF4-FFF2-40B4-BE49-F238E27FC236}">
+                <a16:creationId xmlns:a16="http://schemas.microsoft.com/office/drawing/2014/main" id="{DC4BC171-95D9-1175-9E01-5E675B2D7B08}"/>
+              </a:ext>
+            </a:extLst>
+          </p:cNvPr>
+          <p:cNvSpPr txBox="1"/>
+          <p:nvPr/>
+        </p:nvSpPr>
+        <p:spPr>
+          <a:xfrm>
+            <a:off x="2344915" y="6834709"/>
+            <a:ext cx="1628099" cy="738664"/>
+          </a:xfrm>
+          <a:prstGeom prst="rect">
+            <a:avLst/>
+          </a:prstGeom>
+          <a:solidFill>
+            <a:schemeClr val="accent6">
+              <a:alpha val="50000"/>
+            </a:schemeClr>
+          </a:solidFill>
+          <a:ln w="38100">
+            <a:solidFill>
+              <a:schemeClr val="accent6"/>
+            </a:solidFill>
+          </a:ln>
+        </p:spPr>
+        <p:style>
+          <a:lnRef idx="0">
+            <a:scrgbClr r="0" g="0" b="0"/>
+          </a:lnRef>
+          <a:fillRef idx="0">
+            <a:scrgbClr r="0" g="0" b="0"/>
+          </a:fillRef>
+          <a:effectRef idx="0">
+            <a:scrgbClr r="0" g="0" b="0"/>
+          </a:effectRef>
+          <a:fontRef idx="minor">
+            <a:schemeClr val="lt1"/>
+          </a:fontRef>
+        </p:style>
+        <p:txBody>
+          <a:bodyPr wrap="square" rtlCol="0">
+            <a:spAutoFit/>
+          </a:bodyPr>
+          <a:lstStyle/>
+          <a:p>
+            <a:r>
+              <a:rPr lang="ko-KR" altLang="en-US" dirty="0">
+                <a:solidFill>
+                  <a:schemeClr val="tx1"/>
+                </a:solidFill>
+                <a:latin typeface="+mn-ea"/>
+              </a:rPr>
+              <a:t>키와 몸무게는 소수점 </a:t>
+            </a:r>
+            <a:r>
+              <a:rPr lang="en-US" altLang="ko-KR" dirty="0">
+                <a:solidFill>
+                  <a:schemeClr val="tx1"/>
+                </a:solidFill>
+                <a:latin typeface="+mn-ea"/>
+              </a:rPr>
+              <a:t>1</a:t>
+            </a:r>
+            <a:r>
+              <a:rPr lang="ko-KR" altLang="en-US" dirty="0">
+                <a:solidFill>
+                  <a:schemeClr val="tx1"/>
+                </a:solidFill>
+                <a:latin typeface="+mn-ea"/>
+              </a:rPr>
+              <a:t>자리까지 받습니다</a:t>
+            </a:r>
+            <a:r>
+              <a:rPr lang="en-US" altLang="ko-KR" dirty="0">
+                <a:solidFill>
+                  <a:schemeClr val="tx1"/>
+                </a:solidFill>
+                <a:latin typeface="+mn-ea"/>
+              </a:rPr>
+              <a:t>.</a:t>
+            </a:r>
+            <a:endParaRPr lang="ko-KR" altLang="en-US" dirty="0">
+              <a:solidFill>
+                <a:schemeClr val="tx1"/>
+              </a:solidFill>
+              <a:latin typeface="+mn-ea"/>
+            </a:endParaRPr>
+          </a:p>
+        </p:txBody>
+      </p:sp>
+      <p:sp>
+        <p:nvSpPr>
+          <p:cNvPr id="28" name="TextBox 27">
+            <a:extLst>
+              <a:ext uri="{FF2B5EF4-FFF2-40B4-BE49-F238E27FC236}">
+                <a16:creationId xmlns:a16="http://schemas.microsoft.com/office/drawing/2014/main" id="{BA947B37-6A76-2908-BF69-4B56B1FAC288}"/>
+              </a:ext>
+            </a:extLst>
+          </p:cNvPr>
+          <p:cNvSpPr txBox="1"/>
+          <p:nvPr/>
+        </p:nvSpPr>
+        <p:spPr>
+          <a:xfrm>
+            <a:off x="11254036" y="7855489"/>
+            <a:ext cx="1628099" cy="523220"/>
+          </a:xfrm>
+          <a:prstGeom prst="rect">
+            <a:avLst/>
+          </a:prstGeom>
+          <a:solidFill>
+            <a:schemeClr val="accent6">
+              <a:alpha val="50000"/>
+            </a:schemeClr>
+          </a:solidFill>
+          <a:ln w="38100">
+            <a:solidFill>
+              <a:schemeClr val="accent6"/>
+            </a:solidFill>
+          </a:ln>
+        </p:spPr>
+        <p:style>
+          <a:lnRef idx="0">
+            <a:scrgbClr r="0" g="0" b="0"/>
+          </a:lnRef>
+          <a:fillRef idx="0">
+            <a:scrgbClr r="0" g="0" b="0"/>
+          </a:fillRef>
+          <a:effectRef idx="0">
+            <a:scrgbClr r="0" g="0" b="0"/>
+          </a:effectRef>
+          <a:fontRef idx="minor">
+            <a:schemeClr val="lt1"/>
+          </a:fontRef>
+        </p:style>
+        <p:txBody>
+          <a:bodyPr wrap="square" rtlCol="0">
+            <a:spAutoFit/>
+          </a:bodyPr>
+          <a:lstStyle/>
+          <a:p>
+            <a:r>
+              <a:rPr lang="en-US" altLang="ko-KR" dirty="0">
+                <a:solidFill>
+                  <a:schemeClr val="tx1"/>
+                </a:solidFill>
+                <a:latin typeface="+mn-ea"/>
+              </a:rPr>
+              <a:t>4</a:t>
+            </a:r>
+            <a:r>
+              <a:rPr lang="ko-KR" altLang="en-US" dirty="0">
+                <a:solidFill>
+                  <a:schemeClr val="tx1"/>
+                </a:solidFill>
+                <a:latin typeface="+mn-ea"/>
+              </a:rPr>
+              <a:t>가지 중 하나를 선택합니다</a:t>
+            </a:r>
+            <a:r>
+              <a:rPr lang="en-US" altLang="ko-KR" dirty="0">
+                <a:solidFill>
+                  <a:schemeClr val="tx1"/>
+                </a:solidFill>
+                <a:latin typeface="+mn-ea"/>
+              </a:rPr>
+              <a:t>.</a:t>
+            </a:r>
+            <a:endParaRPr lang="ko-KR" altLang="en-US" dirty="0">
+              <a:solidFill>
+                <a:schemeClr val="tx1"/>
+              </a:solidFill>
+              <a:latin typeface="+mn-ea"/>
+            </a:endParaRPr>
+          </a:p>
+        </p:txBody>
+      </p:sp>
+      <p:sp>
+        <p:nvSpPr>
+          <p:cNvPr id="29" name="TextBox 28">
+            <a:extLst>
+              <a:ext uri="{FF2B5EF4-FFF2-40B4-BE49-F238E27FC236}">
+                <a16:creationId xmlns:a16="http://schemas.microsoft.com/office/drawing/2014/main" id="{6AF65D23-9DC5-A42A-A6C4-D8B2EC40CB37}"/>
+              </a:ext>
+            </a:extLst>
+          </p:cNvPr>
+          <p:cNvSpPr txBox="1"/>
+          <p:nvPr/>
+        </p:nvSpPr>
+        <p:spPr>
+          <a:xfrm>
+            <a:off x="13533767" y="3924800"/>
+            <a:ext cx="1879396" cy="738664"/>
+          </a:xfrm>
+          <a:prstGeom prst="rect">
+            <a:avLst/>
+          </a:prstGeom>
+          <a:solidFill>
+            <a:schemeClr val="accent6">
+              <a:alpha val="50000"/>
+            </a:schemeClr>
+          </a:solidFill>
+          <a:ln w="38100">
+            <a:solidFill>
+              <a:schemeClr val="accent6"/>
+            </a:solidFill>
+          </a:ln>
+        </p:spPr>
+        <p:style>
+          <a:lnRef idx="0">
+            <a:scrgbClr r="0" g="0" b="0"/>
+          </a:lnRef>
+          <a:fillRef idx="0">
+            <a:scrgbClr r="0" g="0" b="0"/>
+          </a:fillRef>
+          <a:effectRef idx="0">
+            <a:scrgbClr r="0" g="0" b="0"/>
+          </a:effectRef>
+          <a:fontRef idx="minor">
+            <a:schemeClr val="lt1"/>
+          </a:fontRef>
+        </p:style>
+        <p:txBody>
+          <a:bodyPr wrap="square" rtlCol="0">
+            <a:spAutoFit/>
+          </a:bodyPr>
+          <a:lstStyle/>
+          <a:p>
+            <a:r>
+              <a:rPr lang="ko-KR" altLang="en-US" dirty="0">
+                <a:solidFill>
+                  <a:schemeClr val="tx1"/>
+                </a:solidFill>
+                <a:latin typeface="+mn-ea"/>
+              </a:rPr>
+              <a:t>사용자로부터 데이터를 </a:t>
+            </a:r>
+            <a:r>
+              <a:rPr lang="ko-KR" altLang="en-US" dirty="0" err="1">
+                <a:solidFill>
+                  <a:schemeClr val="tx1"/>
+                </a:solidFill>
+                <a:latin typeface="+mn-ea"/>
+              </a:rPr>
+              <a:t>입력받습니다</a:t>
+            </a:r>
+            <a:r>
+              <a:rPr lang="en-US" altLang="ko-KR" dirty="0">
+                <a:solidFill>
+                  <a:schemeClr val="tx1"/>
+                </a:solidFill>
+                <a:latin typeface="+mn-ea"/>
+              </a:rPr>
+              <a:t>.</a:t>
+            </a:r>
+            <a:endParaRPr lang="ko-KR" altLang="en-US" dirty="0">
+              <a:solidFill>
+                <a:schemeClr val="tx1"/>
+              </a:solidFill>
+              <a:latin typeface="+mn-ea"/>
+            </a:endParaRPr>
+          </a:p>
+        </p:txBody>
+      </p:sp>
+      <p:sp>
+        <p:nvSpPr>
+          <p:cNvPr id="15" name="직사각형 14">
+            <a:extLst>
+              <a:ext uri="{FF2B5EF4-FFF2-40B4-BE49-F238E27FC236}">
+                <a16:creationId xmlns:a16="http://schemas.microsoft.com/office/drawing/2014/main" id="{61C032D3-546F-336C-2E04-CB7CA54BD436}"/>
+              </a:ext>
+            </a:extLst>
+          </p:cNvPr>
+          <p:cNvSpPr/>
+          <p:nvPr/>
+        </p:nvSpPr>
+        <p:spPr>
+          <a:xfrm>
+            <a:off x="5568949" y="5542805"/>
+            <a:ext cx="2475471" cy="870822"/>
+          </a:xfrm>
+          <a:prstGeom prst="rect">
+            <a:avLst/>
+          </a:prstGeom>
+          <a:noFill/>
+          <a:ln w="57150" cap="flat" cmpd="sng" algn="ctr">
+            <a:solidFill>
+              <a:schemeClr val="accent6"/>
+            </a:solidFill>
+            <a:prstDash val="solid"/>
+            <a:round/>
+            <a:headEnd type="none" w="med" len="med"/>
+            <a:tailEnd type="none" w="med" len="med"/>
+          </a:ln>
+        </p:spPr>
+        <p:style>
+          <a:lnRef idx="0">
+            <a:scrgbClr r="0" g="0" b="0"/>
+          </a:lnRef>
+          <a:fillRef idx="0">
+            <a:scrgbClr r="0" g="0" b="0"/>
+          </a:fillRef>
+          <a:effectRef idx="0">
+            <a:scrgbClr r="0" g="0" b="0"/>
+          </a:effectRef>
+          <a:fontRef idx="minor">
+            <a:schemeClr val="accent6"/>
+          </a:fontRef>
+        </p:style>
+        <p:txBody>
+          <a:bodyPr rtlCol="0" anchor="ctr"/>
+          <a:lstStyle/>
+          <a:p>
+            <a:pPr algn="ctr"/>
+            <a:endParaRPr lang="ko-KR" altLang="en-US"/>
+          </a:p>
+        </p:txBody>
+      </p:sp>
+      <p:sp>
+        <p:nvSpPr>
+          <p:cNvPr id="16" name="직사각형 15">
+            <a:extLst>
+              <a:ext uri="{FF2B5EF4-FFF2-40B4-BE49-F238E27FC236}">
+                <a16:creationId xmlns:a16="http://schemas.microsoft.com/office/drawing/2014/main" id="{00277B23-498C-9FD0-9A49-8A1C5C7ACABC}"/>
+              </a:ext>
+            </a:extLst>
+          </p:cNvPr>
+          <p:cNvSpPr/>
+          <p:nvPr/>
+        </p:nvSpPr>
+        <p:spPr>
+          <a:xfrm>
+            <a:off x="5561740" y="6399298"/>
+            <a:ext cx="2475471" cy="870822"/>
+          </a:xfrm>
+          <a:prstGeom prst="rect">
+            <a:avLst/>
+          </a:prstGeom>
+          <a:noFill/>
+          <a:ln w="57150" cap="flat" cmpd="sng" algn="ctr">
+            <a:solidFill>
+              <a:schemeClr val="accent6"/>
+            </a:solidFill>
+            <a:prstDash val="solid"/>
+            <a:round/>
+            <a:headEnd type="none" w="med" len="med"/>
+            <a:tailEnd type="none" w="med" len="med"/>
+          </a:ln>
+        </p:spPr>
+        <p:style>
+          <a:lnRef idx="0">
+            <a:scrgbClr r="0" g="0" b="0"/>
+          </a:lnRef>
+          <a:fillRef idx="0">
+            <a:scrgbClr r="0" g="0" b="0"/>
+          </a:fillRef>
+          <a:effectRef idx="0">
+            <a:scrgbClr r="0" g="0" b="0"/>
+          </a:effectRef>
+          <a:fontRef idx="minor">
+            <a:schemeClr val="accent6"/>
+          </a:fontRef>
+        </p:style>
+        <p:txBody>
+          <a:bodyPr rtlCol="0" anchor="ctr"/>
+          <a:lstStyle/>
+          <a:p>
+            <a:pPr algn="ctr"/>
+            <a:endParaRPr lang="ko-KR" altLang="en-US"/>
+          </a:p>
+        </p:txBody>
+      </p:sp>
+      <p:sp>
+        <p:nvSpPr>
+          <p:cNvPr id="22" name="직사각형 21">
+            <a:extLst>
+              <a:ext uri="{FF2B5EF4-FFF2-40B4-BE49-F238E27FC236}">
+                <a16:creationId xmlns:a16="http://schemas.microsoft.com/office/drawing/2014/main" id="{E0F71037-D320-091D-7F3D-02A790D43656}"/>
+              </a:ext>
+            </a:extLst>
+          </p:cNvPr>
+          <p:cNvSpPr/>
+          <p:nvPr/>
+        </p:nvSpPr>
+        <p:spPr>
+          <a:xfrm>
+            <a:off x="5561740" y="7255653"/>
+            <a:ext cx="2475471" cy="870822"/>
+          </a:xfrm>
+          <a:prstGeom prst="rect">
+            <a:avLst/>
+          </a:prstGeom>
+          <a:noFill/>
+          <a:ln w="57150" cap="flat" cmpd="sng" algn="ctr">
+            <a:solidFill>
+              <a:schemeClr val="accent6"/>
+            </a:solidFill>
+            <a:prstDash val="solid"/>
+            <a:round/>
+            <a:headEnd type="none" w="med" len="med"/>
+            <a:tailEnd type="none" w="med" len="med"/>
+          </a:ln>
+        </p:spPr>
+        <p:style>
+          <a:lnRef idx="0">
+            <a:scrgbClr r="0" g="0" b="0"/>
+          </a:lnRef>
+          <a:fillRef idx="0">
+            <a:scrgbClr r="0" g="0" b="0"/>
+          </a:fillRef>
+          <a:effectRef idx="0">
+            <a:scrgbClr r="0" g="0" b="0"/>
+          </a:effectRef>
+          <a:fontRef idx="minor">
+            <a:schemeClr val="accent6"/>
+          </a:fontRef>
+        </p:style>
+        <p:txBody>
+          <a:bodyPr rtlCol="0" anchor="ctr"/>
+          <a:lstStyle/>
+          <a:p>
+            <a:pPr algn="ctr"/>
+            <a:endParaRPr lang="ko-KR" altLang="en-US"/>
+          </a:p>
+        </p:txBody>
+      </p:sp>
+      <p:sp>
+        <p:nvSpPr>
+          <p:cNvPr id="24" name="직사각형 23">
+            <a:extLst>
+              <a:ext uri="{FF2B5EF4-FFF2-40B4-BE49-F238E27FC236}">
+                <a16:creationId xmlns:a16="http://schemas.microsoft.com/office/drawing/2014/main" id="{8CF19E7A-B3B5-6390-0D12-882FF037D246}"/>
+              </a:ext>
+            </a:extLst>
+          </p:cNvPr>
+          <p:cNvSpPr/>
+          <p:nvPr/>
+        </p:nvSpPr>
+        <p:spPr>
+          <a:xfrm>
+            <a:off x="5550029" y="8090697"/>
+            <a:ext cx="2475471" cy="870822"/>
+          </a:xfrm>
+          <a:prstGeom prst="rect">
+            <a:avLst/>
+          </a:prstGeom>
+          <a:noFill/>
+          <a:ln w="57150" cap="flat" cmpd="sng" algn="ctr">
+            <a:solidFill>
+              <a:schemeClr val="accent6"/>
+            </a:solidFill>
+            <a:prstDash val="solid"/>
+            <a:round/>
+            <a:headEnd type="none" w="med" len="med"/>
+            <a:tailEnd type="none" w="med" len="med"/>
+          </a:ln>
+        </p:spPr>
+        <p:style>
+          <a:lnRef idx="0">
+            <a:scrgbClr r="0" g="0" b="0"/>
+          </a:lnRef>
+          <a:fillRef idx="0">
+            <a:scrgbClr r="0" g="0" b="0"/>
+          </a:fillRef>
+          <a:effectRef idx="0">
+            <a:scrgbClr r="0" g="0" b="0"/>
+          </a:effectRef>
+          <a:fontRef idx="minor">
+            <a:schemeClr val="accent6"/>
+          </a:fontRef>
+        </p:style>
+        <p:txBody>
+          <a:bodyPr rtlCol="0" anchor="ctr"/>
+          <a:lstStyle/>
+          <a:p>
+            <a:pPr algn="ctr"/>
+            <a:endParaRPr lang="ko-KR" altLang="en-US"/>
+          </a:p>
+        </p:txBody>
+      </p:sp>
+      <p:sp>
+        <p:nvSpPr>
+          <p:cNvPr id="26" name="직사각형 25">
+            <a:extLst>
+              <a:ext uri="{FF2B5EF4-FFF2-40B4-BE49-F238E27FC236}">
+                <a16:creationId xmlns:a16="http://schemas.microsoft.com/office/drawing/2014/main" id="{624BE557-1B52-9D79-7FD6-C3975D2A79FF}"/>
+              </a:ext>
+            </a:extLst>
+          </p:cNvPr>
+          <p:cNvSpPr/>
+          <p:nvPr/>
+        </p:nvSpPr>
+        <p:spPr>
+          <a:xfrm>
+            <a:off x="5568949" y="3751175"/>
+            <a:ext cx="2475471" cy="870822"/>
+          </a:xfrm>
+          <a:prstGeom prst="rect">
+            <a:avLst/>
+          </a:prstGeom>
+          <a:noFill/>
+          <a:ln w="57150" cap="flat" cmpd="sng" algn="ctr">
+            <a:solidFill>
+              <a:schemeClr val="accent6"/>
+            </a:solidFill>
+            <a:prstDash val="solid"/>
+            <a:round/>
+            <a:headEnd type="none" w="med" len="med"/>
+            <a:tailEnd type="none" w="med" len="med"/>
+          </a:ln>
+        </p:spPr>
+        <p:style>
+          <a:lnRef idx="0">
+            <a:scrgbClr r="0" g="0" b="0"/>
+          </a:lnRef>
+          <a:fillRef idx="0">
+            <a:scrgbClr r="0" g="0" b="0"/>
+          </a:fillRef>
+          <a:effectRef idx="0">
+            <a:scrgbClr r="0" g="0" b="0"/>
+          </a:effectRef>
+          <a:fontRef idx="minor">
+            <a:schemeClr val="accent6"/>
+          </a:fontRef>
+        </p:style>
+        <p:txBody>
+          <a:bodyPr rtlCol="0" anchor="ctr"/>
+          <a:lstStyle/>
+          <a:p>
+            <a:pPr algn="ctr"/>
+            <a:endParaRPr lang="ko-KR" altLang="en-US"/>
+          </a:p>
+        </p:txBody>
+      </p:sp>
+      <p:pic>
+        <p:nvPicPr>
+          <p:cNvPr id="34" name="그림 33">
+            <a:extLst>
+              <a:ext uri="{FF2B5EF4-FFF2-40B4-BE49-F238E27FC236}">
+                <a16:creationId xmlns:a16="http://schemas.microsoft.com/office/drawing/2014/main" id="{1411FEC3-80EC-060F-BEC0-CD680A20C8A7}"/>
+              </a:ext>
+            </a:extLst>
+          </p:cNvPr>
+          <p:cNvPicPr>
+            <a:picLocks noChangeAspect="1"/>
+          </p:cNvPicPr>
+          <p:nvPr/>
+        </p:nvPicPr>
+        <p:blipFill>
+          <a:blip r:embed="rId5"/>
+          <a:stretch>
+            <a:fillRect/>
+          </a:stretch>
+        </p:blipFill>
+        <p:spPr>
+          <a:xfrm>
+            <a:off x="11177580" y="8378709"/>
+            <a:ext cx="6801799" cy="1667108"/>
+          </a:xfrm>
+          <a:prstGeom prst="rect">
+            <a:avLst/>
+          </a:prstGeom>
+        </p:spPr>
+      </p:pic>
+      <p:cxnSp>
+        <p:nvCxnSpPr>
+          <p:cNvPr id="39" name="연결선: 꺾임 38">
+            <a:extLst>
+              <a:ext uri="{FF2B5EF4-FFF2-40B4-BE49-F238E27FC236}">
+                <a16:creationId xmlns:a16="http://schemas.microsoft.com/office/drawing/2014/main" id="{C16C1E35-6458-F38A-7787-919F3D09C2EB}"/>
+              </a:ext>
+            </a:extLst>
+          </p:cNvPr>
+          <p:cNvCxnSpPr>
+            <a:cxnSpLocks/>
+            <a:endCxn id="22" idx="1"/>
+          </p:cNvCxnSpPr>
+          <p:nvPr/>
+        </p:nvCxnSpPr>
+        <p:spPr>
+          <a:xfrm>
+            <a:off x="3973014" y="7212693"/>
+            <a:ext cx="1588726" cy="478371"/>
+          </a:xfrm>
+          <a:prstGeom prst="bentConnector3">
+            <a:avLst>
+              <a:gd name="adj1" fmla="val 50000"/>
+            </a:avLst>
+          </a:prstGeom>
+          <a:ln w="38100"/>
+        </p:spPr>
+        <p:style>
+          <a:lnRef idx="1">
+            <a:schemeClr val="accent6"/>
+          </a:lnRef>
+          <a:fillRef idx="0">
+            <a:schemeClr val="accent6"/>
+          </a:fillRef>
+          <a:effectRef idx="0">
+            <a:schemeClr val="accent6"/>
+          </a:effectRef>
+          <a:fontRef idx="minor">
+            <a:schemeClr val="tx1"/>
+          </a:fontRef>
+        </p:style>
+      </p:cxnSp>
+      <p:cxnSp>
+        <p:nvCxnSpPr>
+          <p:cNvPr id="41" name="연결선: 꺾임 40">
+            <a:extLst>
+              <a:ext uri="{FF2B5EF4-FFF2-40B4-BE49-F238E27FC236}">
+                <a16:creationId xmlns:a16="http://schemas.microsoft.com/office/drawing/2014/main" id="{823499D6-A0F6-025B-948C-B705AC4411DF}"/>
+              </a:ext>
+            </a:extLst>
+          </p:cNvPr>
+          <p:cNvCxnSpPr>
+            <a:cxnSpLocks/>
+            <a:endCxn id="16" idx="1"/>
+          </p:cNvCxnSpPr>
+          <p:nvPr/>
+        </p:nvCxnSpPr>
+        <p:spPr>
+          <a:xfrm flipV="1">
+            <a:off x="3984725" y="6834709"/>
+            <a:ext cx="1577015" cy="377984"/>
+          </a:xfrm>
+          <a:prstGeom prst="bentConnector3">
+            <a:avLst>
+              <a:gd name="adj1" fmla="val 50000"/>
+            </a:avLst>
+          </a:prstGeom>
+          <a:ln w="38100"/>
+        </p:spPr>
+        <p:style>
+          <a:lnRef idx="1">
+            <a:schemeClr val="accent6"/>
+          </a:lnRef>
+          <a:fillRef idx="0">
+            <a:schemeClr val="accent6"/>
+          </a:fillRef>
+          <a:effectRef idx="0">
+            <a:schemeClr val="accent6"/>
+          </a:effectRef>
+          <a:fontRef idx="minor">
+            <a:schemeClr val="tx1"/>
+          </a:fontRef>
+        </p:style>
+      </p:cxnSp>
+      <p:cxnSp>
+        <p:nvCxnSpPr>
+          <p:cNvPr id="44" name="연결선: 꺾임 43">
+            <a:extLst>
+              <a:ext uri="{FF2B5EF4-FFF2-40B4-BE49-F238E27FC236}">
+                <a16:creationId xmlns:a16="http://schemas.microsoft.com/office/drawing/2014/main" id="{81577059-5FC3-FAFE-12BB-D0F2E1C61B55}"/>
+              </a:ext>
+            </a:extLst>
+          </p:cNvPr>
+          <p:cNvCxnSpPr>
+            <a:cxnSpLocks/>
+          </p:cNvCxnSpPr>
+          <p:nvPr/>
+        </p:nvCxnSpPr>
+        <p:spPr>
+          <a:xfrm>
+            <a:off x="8076148" y="4186586"/>
+            <a:ext cx="5457619" cy="107546"/>
+          </a:xfrm>
+          <a:prstGeom prst="bentConnector3">
+            <a:avLst>
+              <a:gd name="adj1" fmla="val 50000"/>
+            </a:avLst>
+          </a:prstGeom>
+          <a:ln w="38100"/>
+        </p:spPr>
+        <p:style>
+          <a:lnRef idx="1">
+            <a:schemeClr val="accent6"/>
+          </a:lnRef>
+          <a:fillRef idx="0">
+            <a:schemeClr val="accent6"/>
+          </a:fillRef>
+          <a:effectRef idx="0">
+            <a:schemeClr val="accent6"/>
+          </a:effectRef>
+          <a:fontRef idx="minor">
+            <a:schemeClr val="tx1"/>
+          </a:fontRef>
+        </p:style>
+      </p:cxnSp>
+    </p:spTree>
+    <p:extLst>
+      <p:ext uri="{BB962C8B-B14F-4D97-AF65-F5344CB8AC3E}">
+        <p14:creationId xmlns:p14="http://schemas.microsoft.com/office/powerpoint/2010/main" val="3514015377"/>
+      </p:ext>
+    </p:extLst>
+  </p:cSld>
+  <p:clrMapOvr>
+    <a:masterClrMapping/>
+  </p:clrMapOvr>
+</p:sld>
+</file>
+
+<file path=ppt/slides/slide24.xml><?xml version="1.0" encoding="utf-8"?>
+<p:sld xmlns:a="http://schemas.openxmlformats.org/drawingml/2006/main" xmlns:r="http://schemas.openxmlformats.org/officeDocument/2006/relationships" xmlns:p="http://schemas.openxmlformats.org/presentationml/2006/main">
+  <p:cSld>
+    <p:spTree>
+      <p:nvGrpSpPr>
+        <p:cNvPr id="1" name="Shape 258">
+          <a:extLst>
+            <a:ext uri="{FF2B5EF4-FFF2-40B4-BE49-F238E27FC236}">
+              <a16:creationId xmlns:a16="http://schemas.microsoft.com/office/drawing/2014/main" id="{467756EE-B014-83D3-686F-7045C81E2279}"/>
+            </a:ext>
+          </a:extLst>
+        </p:cNvPr>
+        <p:cNvGrpSpPr/>
+        <p:nvPr/>
+      </p:nvGrpSpPr>
+      <p:grpSpPr>
+        <a:xfrm>
+          <a:off x="0" y="0"/>
+          <a:ext cx="0" cy="0"/>
+          <a:chOff x="0" y="0"/>
+          <a:chExt cx="0" cy="0"/>
+        </a:xfrm>
+      </p:grpSpPr>
+      <p:sp>
+        <p:nvSpPr>
+          <p:cNvPr id="259" name="Google Shape;259;p9">
+            <a:extLst>
+              <a:ext uri="{FF2B5EF4-FFF2-40B4-BE49-F238E27FC236}">
+                <a16:creationId xmlns:a16="http://schemas.microsoft.com/office/drawing/2014/main" id="{AC505416-F812-2019-0344-FF6EF16EE1B8}"/>
+              </a:ext>
+            </a:extLst>
+          </p:cNvPr>
+          <p:cNvSpPr/>
+          <p:nvPr/>
+        </p:nvSpPr>
+        <p:spPr>
+          <a:xfrm>
+            <a:off x="0" y="0"/>
+            <a:ext cx="18288000" cy="10287000"/>
+          </a:xfrm>
+          <a:custGeom>
+            <a:avLst/>
+            <a:gdLst/>
+            <a:ahLst/>
+            <a:cxnLst/>
+            <a:rect l="l" t="t" r="r" b="b"/>
+            <a:pathLst>
+              <a:path w="18288000" h="10287000" extrusionOk="0">
+                <a:moveTo>
+                  <a:pt x="0" y="0"/>
+                </a:moveTo>
+                <a:lnTo>
+                  <a:pt x="18288000" y="0"/>
+                </a:lnTo>
+                <a:lnTo>
+                  <a:pt x="18288000" y="10287000"/>
+                </a:lnTo>
+                <a:lnTo>
+                  <a:pt x="0" y="10287000"/>
+                </a:lnTo>
+                <a:lnTo>
+                  <a:pt x="0" y="0"/>
+                </a:lnTo>
+                <a:close/>
+              </a:path>
+            </a:pathLst>
+          </a:custGeom>
+          <a:blipFill rotWithShape="1">
+            <a:blip r:embed="rId3">
+              <a:alphaModFix/>
+            </a:blip>
+            <a:stretch>
+              <a:fillRect t="-3628" b="-3035"/>
+            </a:stretch>
+          </a:blipFill>
+          <a:ln>
+            <a:noFill/>
+          </a:ln>
+        </p:spPr>
+        <p:txBody>
+          <a:bodyPr/>
+          <a:lstStyle/>
+          <a:p>
+            <a:endParaRPr lang="ko-KR" altLang="en-US" dirty="0"/>
           </a:p>
         </p:txBody>
       </p:sp>
@@ -24378,7 +25344,7 @@
         <p:spPr>
           <a:xfrm>
             <a:off x="1785842" y="1341148"/>
-            <a:ext cx="9468194" cy="1094467"/>
+            <a:ext cx="10581418" cy="1094467"/>
           </a:xfrm>
           <a:prstGeom prst="rect">
             <a:avLst/>
@@ -24429,6 +25395,14 @@
                 </a:solidFill>
               </a:rPr>
               <a:t>웹구현</a:t>
+            </a:r>
+            <a:r>
+              <a:rPr lang="en-US" altLang="ko-KR" sz="5080" dirty="0">
+                <a:solidFill>
+                  <a:srgbClr val="2E5743"/>
+                </a:solidFill>
+              </a:rPr>
+              <a:t>(Output)</a:t>
             </a:r>
             <a:endParaRPr sz="5080" dirty="0">
               <a:solidFill>
@@ -24487,7 +25461,7 @@
                   <a:srgbClr val="2E5743"/>
                 </a:solidFill>
               </a:rPr>
-              <a:t>8</a:t>
+              <a:t>9</a:t>
             </a:r>
             <a:endParaRPr dirty="0"/>
           </a:p>
@@ -24515,7 +25489,7 @@
         </p:blipFill>
         <p:spPr>
           <a:xfrm>
-            <a:off x="3032143" y="2714511"/>
+            <a:off x="2711728" y="2624066"/>
             <a:ext cx="11978439" cy="7565330"/>
           </a:xfrm>
           <a:prstGeom prst="rect">
@@ -24523,6 +25497,1080 @@
           </a:prstGeom>
         </p:spPr>
       </p:pic>
+      <p:sp>
+        <p:nvSpPr>
+          <p:cNvPr id="2" name="직사각형 1">
+            <a:extLst>
+              <a:ext uri="{FF2B5EF4-FFF2-40B4-BE49-F238E27FC236}">
+                <a16:creationId xmlns:a16="http://schemas.microsoft.com/office/drawing/2014/main" id="{FA541D5F-9131-BAC2-D845-56864FA7F096}"/>
+              </a:ext>
+            </a:extLst>
+          </p:cNvPr>
+          <p:cNvSpPr/>
+          <p:nvPr/>
+        </p:nvSpPr>
+        <p:spPr>
+          <a:xfrm>
+            <a:off x="3325866" y="3143250"/>
+            <a:ext cx="2823210" cy="761414"/>
+          </a:xfrm>
+          <a:prstGeom prst="rect">
+            <a:avLst/>
+          </a:prstGeom>
+          <a:noFill/>
+          <a:ln w="57150" cap="flat" cmpd="sng" algn="ctr">
+            <a:solidFill>
+              <a:schemeClr val="accent6"/>
+            </a:solidFill>
+            <a:prstDash val="solid"/>
+            <a:round/>
+            <a:headEnd type="none" w="med" len="med"/>
+            <a:tailEnd type="none" w="med" len="med"/>
+          </a:ln>
+        </p:spPr>
+        <p:style>
+          <a:lnRef idx="0">
+            <a:scrgbClr r="0" g="0" b="0"/>
+          </a:lnRef>
+          <a:fillRef idx="0">
+            <a:scrgbClr r="0" g="0" b="0"/>
+          </a:fillRef>
+          <a:effectRef idx="0">
+            <a:scrgbClr r="0" g="0" b="0"/>
+          </a:effectRef>
+          <a:fontRef idx="minor">
+            <a:schemeClr val="accent6"/>
+          </a:fontRef>
+        </p:style>
+        <p:txBody>
+          <a:bodyPr rtlCol="0" anchor="ctr"/>
+          <a:lstStyle/>
+          <a:p>
+            <a:pPr algn="ctr"/>
+            <a:endParaRPr lang="ko-KR" altLang="en-US"/>
+          </a:p>
+        </p:txBody>
+      </p:sp>
+      <p:sp>
+        <p:nvSpPr>
+          <p:cNvPr id="4" name="직사각형 3">
+            <a:extLst>
+              <a:ext uri="{FF2B5EF4-FFF2-40B4-BE49-F238E27FC236}">
+                <a16:creationId xmlns:a16="http://schemas.microsoft.com/office/drawing/2014/main" id="{DAC4E5A7-E1B1-1D5F-19D0-BDEAEA029D30}"/>
+              </a:ext>
+            </a:extLst>
+          </p:cNvPr>
+          <p:cNvSpPr/>
+          <p:nvPr/>
+        </p:nvSpPr>
+        <p:spPr>
+          <a:xfrm>
+            <a:off x="6093335" y="3143250"/>
+            <a:ext cx="2823210" cy="761414"/>
+          </a:xfrm>
+          <a:prstGeom prst="rect">
+            <a:avLst/>
+          </a:prstGeom>
+          <a:noFill/>
+          <a:ln w="57150" cap="flat" cmpd="sng" algn="ctr">
+            <a:solidFill>
+              <a:schemeClr val="accent6"/>
+            </a:solidFill>
+            <a:prstDash val="solid"/>
+            <a:round/>
+            <a:headEnd type="none" w="med" len="med"/>
+            <a:tailEnd type="none" w="med" len="med"/>
+          </a:ln>
+        </p:spPr>
+        <p:style>
+          <a:lnRef idx="0">
+            <a:scrgbClr r="0" g="0" b="0"/>
+          </a:lnRef>
+          <a:fillRef idx="0">
+            <a:scrgbClr r="0" g="0" b="0"/>
+          </a:fillRef>
+          <a:effectRef idx="0">
+            <a:scrgbClr r="0" g="0" b="0"/>
+          </a:effectRef>
+          <a:fontRef idx="minor">
+            <a:schemeClr val="accent6"/>
+          </a:fontRef>
+        </p:style>
+        <p:txBody>
+          <a:bodyPr rtlCol="0" anchor="ctr"/>
+          <a:lstStyle/>
+          <a:p>
+            <a:pPr algn="ctr"/>
+            <a:endParaRPr lang="ko-KR" altLang="en-US"/>
+          </a:p>
+        </p:txBody>
+      </p:sp>
+      <p:sp>
+        <p:nvSpPr>
+          <p:cNvPr id="5" name="직사각형 4">
+            <a:extLst>
+              <a:ext uri="{FF2B5EF4-FFF2-40B4-BE49-F238E27FC236}">
+                <a16:creationId xmlns:a16="http://schemas.microsoft.com/office/drawing/2014/main" id="{27398495-F356-58E9-3100-5F8062BBE89D}"/>
+              </a:ext>
+            </a:extLst>
+          </p:cNvPr>
+          <p:cNvSpPr/>
+          <p:nvPr/>
+        </p:nvSpPr>
+        <p:spPr>
+          <a:xfrm>
+            <a:off x="12012929" y="3143250"/>
+            <a:ext cx="2165109" cy="761414"/>
+          </a:xfrm>
+          <a:prstGeom prst="rect">
+            <a:avLst/>
+          </a:prstGeom>
+          <a:noFill/>
+          <a:ln w="57150" cap="flat" cmpd="sng" algn="ctr">
+            <a:solidFill>
+              <a:schemeClr val="accent6"/>
+            </a:solidFill>
+            <a:prstDash val="solid"/>
+            <a:round/>
+            <a:headEnd type="none" w="med" len="med"/>
+            <a:tailEnd type="none" w="med" len="med"/>
+          </a:ln>
+        </p:spPr>
+        <p:style>
+          <a:lnRef idx="0">
+            <a:scrgbClr r="0" g="0" b="0"/>
+          </a:lnRef>
+          <a:fillRef idx="0">
+            <a:scrgbClr r="0" g="0" b="0"/>
+          </a:fillRef>
+          <a:effectRef idx="0">
+            <a:scrgbClr r="0" g="0" b="0"/>
+          </a:effectRef>
+          <a:fontRef idx="minor">
+            <a:schemeClr val="accent6"/>
+          </a:fontRef>
+        </p:style>
+        <p:txBody>
+          <a:bodyPr rtlCol="0" anchor="ctr"/>
+          <a:lstStyle/>
+          <a:p>
+            <a:pPr algn="ctr"/>
+            <a:endParaRPr lang="ko-KR" altLang="en-US"/>
+          </a:p>
+        </p:txBody>
+      </p:sp>
+      <p:sp>
+        <p:nvSpPr>
+          <p:cNvPr id="6" name="직사각형 5">
+            <a:extLst>
+              <a:ext uri="{FF2B5EF4-FFF2-40B4-BE49-F238E27FC236}">
+                <a16:creationId xmlns:a16="http://schemas.microsoft.com/office/drawing/2014/main" id="{06739D09-D43D-87D2-933F-2EC3FB473F54}"/>
+              </a:ext>
+            </a:extLst>
+          </p:cNvPr>
+          <p:cNvSpPr/>
+          <p:nvPr/>
+        </p:nvSpPr>
+        <p:spPr>
+          <a:xfrm>
+            <a:off x="11354828" y="3904664"/>
+            <a:ext cx="2823210" cy="761414"/>
+          </a:xfrm>
+          <a:prstGeom prst="rect">
+            <a:avLst/>
+          </a:prstGeom>
+          <a:noFill/>
+          <a:ln w="57150" cap="flat" cmpd="sng" algn="ctr">
+            <a:solidFill>
+              <a:schemeClr val="accent6"/>
+            </a:solidFill>
+            <a:prstDash val="solid"/>
+            <a:round/>
+            <a:headEnd type="none" w="med" len="med"/>
+            <a:tailEnd type="none" w="med" len="med"/>
+          </a:ln>
+        </p:spPr>
+        <p:style>
+          <a:lnRef idx="0">
+            <a:scrgbClr r="0" g="0" b="0"/>
+          </a:lnRef>
+          <a:fillRef idx="0">
+            <a:scrgbClr r="0" g="0" b="0"/>
+          </a:fillRef>
+          <a:effectRef idx="0">
+            <a:scrgbClr r="0" g="0" b="0"/>
+          </a:effectRef>
+          <a:fontRef idx="minor">
+            <a:schemeClr val="accent6"/>
+          </a:fontRef>
+        </p:style>
+        <p:txBody>
+          <a:bodyPr rtlCol="0" anchor="ctr"/>
+          <a:lstStyle/>
+          <a:p>
+            <a:pPr algn="ctr"/>
+            <a:endParaRPr lang="ko-KR" altLang="en-US"/>
+          </a:p>
+        </p:txBody>
+      </p:sp>
+      <p:sp>
+        <p:nvSpPr>
+          <p:cNvPr id="7" name="직사각형 6">
+            <a:extLst>
+              <a:ext uri="{FF2B5EF4-FFF2-40B4-BE49-F238E27FC236}">
+                <a16:creationId xmlns:a16="http://schemas.microsoft.com/office/drawing/2014/main" id="{59F798AC-24DE-1B67-8585-39C8B70BBC41}"/>
+              </a:ext>
+            </a:extLst>
+          </p:cNvPr>
+          <p:cNvSpPr/>
+          <p:nvPr/>
+        </p:nvSpPr>
+        <p:spPr>
+          <a:xfrm>
+            <a:off x="3320072" y="4666078"/>
+            <a:ext cx="2475471" cy="551401"/>
+          </a:xfrm>
+          <a:prstGeom prst="rect">
+            <a:avLst/>
+          </a:prstGeom>
+          <a:noFill/>
+          <a:ln w="57150" cap="flat" cmpd="sng" algn="ctr">
+            <a:solidFill>
+              <a:schemeClr val="accent6"/>
+            </a:solidFill>
+            <a:prstDash val="solid"/>
+            <a:round/>
+            <a:headEnd type="none" w="med" len="med"/>
+            <a:tailEnd type="none" w="med" len="med"/>
+          </a:ln>
+        </p:spPr>
+        <p:style>
+          <a:lnRef idx="0">
+            <a:scrgbClr r="0" g="0" b="0"/>
+          </a:lnRef>
+          <a:fillRef idx="0">
+            <a:scrgbClr r="0" g="0" b="0"/>
+          </a:fillRef>
+          <a:effectRef idx="0">
+            <a:scrgbClr r="0" g="0" b="0"/>
+          </a:effectRef>
+          <a:fontRef idx="minor">
+            <a:schemeClr val="accent6"/>
+          </a:fontRef>
+        </p:style>
+        <p:txBody>
+          <a:bodyPr rtlCol="0" anchor="ctr"/>
+          <a:lstStyle/>
+          <a:p>
+            <a:pPr algn="ctr"/>
+            <a:endParaRPr lang="ko-KR" altLang="en-US"/>
+          </a:p>
+        </p:txBody>
+      </p:sp>
+      <p:sp>
+        <p:nvSpPr>
+          <p:cNvPr id="8" name="직사각형 7">
+            <a:extLst>
+              <a:ext uri="{FF2B5EF4-FFF2-40B4-BE49-F238E27FC236}">
+                <a16:creationId xmlns:a16="http://schemas.microsoft.com/office/drawing/2014/main" id="{05145DE6-A31F-6E4B-F1EF-7B76F34A8957}"/>
+              </a:ext>
+            </a:extLst>
+          </p:cNvPr>
+          <p:cNvSpPr/>
+          <p:nvPr/>
+        </p:nvSpPr>
+        <p:spPr>
+          <a:xfrm>
+            <a:off x="3325866" y="8001000"/>
+            <a:ext cx="2320554" cy="551401"/>
+          </a:xfrm>
+          <a:prstGeom prst="rect">
+            <a:avLst/>
+          </a:prstGeom>
+          <a:noFill/>
+          <a:ln w="57150" cap="flat" cmpd="sng" algn="ctr">
+            <a:solidFill>
+              <a:schemeClr val="accent6"/>
+            </a:solidFill>
+            <a:prstDash val="solid"/>
+            <a:round/>
+            <a:headEnd type="none" w="med" len="med"/>
+            <a:tailEnd type="none" w="med" len="med"/>
+          </a:ln>
+        </p:spPr>
+        <p:style>
+          <a:lnRef idx="0">
+            <a:scrgbClr r="0" g="0" b="0"/>
+          </a:lnRef>
+          <a:fillRef idx="0">
+            <a:scrgbClr r="0" g="0" b="0"/>
+          </a:fillRef>
+          <a:effectRef idx="0">
+            <a:scrgbClr r="0" g="0" b="0"/>
+          </a:effectRef>
+          <a:fontRef idx="minor">
+            <a:schemeClr val="accent6"/>
+          </a:fontRef>
+        </p:style>
+        <p:txBody>
+          <a:bodyPr rtlCol="0" anchor="ctr"/>
+          <a:lstStyle/>
+          <a:p>
+            <a:pPr algn="ctr"/>
+            <a:endParaRPr lang="ko-KR" altLang="en-US"/>
+          </a:p>
+        </p:txBody>
+      </p:sp>
+      <p:cxnSp>
+        <p:nvCxnSpPr>
+          <p:cNvPr id="10" name="연결선: 꺾임 9">
+            <a:extLst>
+              <a:ext uri="{FF2B5EF4-FFF2-40B4-BE49-F238E27FC236}">
+                <a16:creationId xmlns:a16="http://schemas.microsoft.com/office/drawing/2014/main" id="{6F56AD5E-C39C-416C-AB1E-63460860FDD5}"/>
+              </a:ext>
+            </a:extLst>
+          </p:cNvPr>
+          <p:cNvCxnSpPr/>
+          <p:nvPr/>
+        </p:nvCxnSpPr>
+        <p:spPr>
+          <a:xfrm rot="10800000" flipV="1">
+            <a:off x="2251710" y="3543300"/>
+            <a:ext cx="1068362" cy="925830"/>
+          </a:xfrm>
+          <a:prstGeom prst="bentConnector3">
+            <a:avLst/>
+          </a:prstGeom>
+        </p:spPr>
+        <p:style>
+          <a:lnRef idx="1">
+            <a:schemeClr val="accent6"/>
+          </a:lnRef>
+          <a:fillRef idx="0">
+            <a:schemeClr val="accent6"/>
+          </a:fillRef>
+          <a:effectRef idx="0">
+            <a:schemeClr val="accent6"/>
+          </a:effectRef>
+          <a:fontRef idx="minor">
+            <a:schemeClr val="tx1"/>
+          </a:fontRef>
+        </p:style>
+      </p:cxnSp>
+      <p:cxnSp>
+        <p:nvCxnSpPr>
+          <p:cNvPr id="12" name="연결선: 꺾임 11">
+            <a:extLst>
+              <a:ext uri="{FF2B5EF4-FFF2-40B4-BE49-F238E27FC236}">
+                <a16:creationId xmlns:a16="http://schemas.microsoft.com/office/drawing/2014/main" id="{BAD1956D-C924-F0F6-CABE-EED6DCBD87B0}"/>
+              </a:ext>
+            </a:extLst>
+          </p:cNvPr>
+          <p:cNvCxnSpPr/>
+          <p:nvPr/>
+        </p:nvCxnSpPr>
+        <p:spPr>
+          <a:xfrm rot="10800000" flipV="1">
+            <a:off x="2251709" y="4975861"/>
+            <a:ext cx="1068362" cy="925830"/>
+          </a:xfrm>
+          <a:prstGeom prst="bentConnector3">
+            <a:avLst/>
+          </a:prstGeom>
+        </p:spPr>
+        <p:style>
+          <a:lnRef idx="1">
+            <a:schemeClr val="accent6"/>
+          </a:lnRef>
+          <a:fillRef idx="0">
+            <a:schemeClr val="accent6"/>
+          </a:fillRef>
+          <a:effectRef idx="0">
+            <a:schemeClr val="accent6"/>
+          </a:effectRef>
+          <a:fontRef idx="minor">
+            <a:schemeClr val="tx1"/>
+          </a:fontRef>
+        </p:style>
+      </p:cxnSp>
+      <p:cxnSp>
+        <p:nvCxnSpPr>
+          <p:cNvPr id="13" name="연결선: 꺾임 12">
+            <a:extLst>
+              <a:ext uri="{FF2B5EF4-FFF2-40B4-BE49-F238E27FC236}">
+                <a16:creationId xmlns:a16="http://schemas.microsoft.com/office/drawing/2014/main" id="{F835E0EC-A396-A6E2-C1AC-430A5BCC9CA6}"/>
+              </a:ext>
+            </a:extLst>
+          </p:cNvPr>
+          <p:cNvCxnSpPr/>
+          <p:nvPr/>
+        </p:nvCxnSpPr>
+        <p:spPr>
+          <a:xfrm rot="10800000" flipV="1">
+            <a:off x="2251708" y="8286434"/>
+            <a:ext cx="1068362" cy="925830"/>
+          </a:xfrm>
+          <a:prstGeom prst="bentConnector3">
+            <a:avLst/>
+          </a:prstGeom>
+        </p:spPr>
+        <p:style>
+          <a:lnRef idx="1">
+            <a:schemeClr val="accent6"/>
+          </a:lnRef>
+          <a:fillRef idx="0">
+            <a:schemeClr val="accent6"/>
+          </a:fillRef>
+          <a:effectRef idx="0">
+            <a:schemeClr val="accent6"/>
+          </a:effectRef>
+          <a:fontRef idx="minor">
+            <a:schemeClr val="tx1"/>
+          </a:fontRef>
+        </p:style>
+      </p:cxnSp>
+      <p:cxnSp>
+        <p:nvCxnSpPr>
+          <p:cNvPr id="14" name="연결선: 꺾임 13">
+            <a:extLst>
+              <a:ext uri="{FF2B5EF4-FFF2-40B4-BE49-F238E27FC236}">
+                <a16:creationId xmlns:a16="http://schemas.microsoft.com/office/drawing/2014/main" id="{C2963FE3-A2B2-141C-2736-53D303B63617}"/>
+              </a:ext>
+            </a:extLst>
+          </p:cNvPr>
+          <p:cNvCxnSpPr>
+            <a:cxnSpLocks/>
+          </p:cNvCxnSpPr>
+          <p:nvPr/>
+        </p:nvCxnSpPr>
+        <p:spPr>
+          <a:xfrm rot="10800000">
+            <a:off x="14178039" y="3549897"/>
+            <a:ext cx="1126267" cy="702069"/>
+          </a:xfrm>
+          <a:prstGeom prst="bentConnector3">
+            <a:avLst>
+              <a:gd name="adj1" fmla="val 50000"/>
+            </a:avLst>
+          </a:prstGeom>
+        </p:spPr>
+        <p:style>
+          <a:lnRef idx="1">
+            <a:schemeClr val="accent6"/>
+          </a:lnRef>
+          <a:fillRef idx="0">
+            <a:schemeClr val="accent6"/>
+          </a:fillRef>
+          <a:effectRef idx="0">
+            <a:schemeClr val="accent6"/>
+          </a:effectRef>
+          <a:fontRef idx="minor">
+            <a:schemeClr val="tx1"/>
+          </a:fontRef>
+        </p:style>
+      </p:cxnSp>
+      <p:cxnSp>
+        <p:nvCxnSpPr>
+          <p:cNvPr id="17" name="연결선: 꺾임 16">
+            <a:extLst>
+              <a:ext uri="{FF2B5EF4-FFF2-40B4-BE49-F238E27FC236}">
+                <a16:creationId xmlns:a16="http://schemas.microsoft.com/office/drawing/2014/main" id="{4A345313-03FF-E015-D72C-814C04391E54}"/>
+              </a:ext>
+            </a:extLst>
+          </p:cNvPr>
+          <p:cNvCxnSpPr>
+            <a:cxnSpLocks/>
+          </p:cNvCxnSpPr>
+          <p:nvPr/>
+        </p:nvCxnSpPr>
+        <p:spPr>
+          <a:xfrm rot="10800000">
+            <a:off x="14178038" y="4469130"/>
+            <a:ext cx="1126267" cy="702069"/>
+          </a:xfrm>
+          <a:prstGeom prst="bentConnector3">
+            <a:avLst>
+              <a:gd name="adj1" fmla="val 50000"/>
+            </a:avLst>
+          </a:prstGeom>
+        </p:spPr>
+        <p:style>
+          <a:lnRef idx="1">
+            <a:schemeClr val="accent6"/>
+          </a:lnRef>
+          <a:fillRef idx="0">
+            <a:schemeClr val="accent6"/>
+          </a:fillRef>
+          <a:effectRef idx="0">
+            <a:schemeClr val="accent6"/>
+          </a:effectRef>
+          <a:fontRef idx="minor">
+            <a:schemeClr val="tx1"/>
+          </a:fontRef>
+        </p:style>
+      </p:cxnSp>
+      <p:sp>
+        <p:nvSpPr>
+          <p:cNvPr id="18" name="TextBox 17">
+            <a:extLst>
+              <a:ext uri="{FF2B5EF4-FFF2-40B4-BE49-F238E27FC236}">
+                <a16:creationId xmlns:a16="http://schemas.microsoft.com/office/drawing/2014/main" id="{29F1E1A6-0846-7C67-EBC4-0D4EB7A1B88E}"/>
+              </a:ext>
+            </a:extLst>
+          </p:cNvPr>
+          <p:cNvSpPr txBox="1"/>
+          <p:nvPr/>
+        </p:nvSpPr>
+        <p:spPr>
+          <a:xfrm>
+            <a:off x="601149" y="5532359"/>
+            <a:ext cx="1628099" cy="954107"/>
+          </a:xfrm>
+          <a:prstGeom prst="rect">
+            <a:avLst/>
+          </a:prstGeom>
+          <a:solidFill>
+            <a:schemeClr val="accent6">
+              <a:alpha val="50000"/>
+            </a:schemeClr>
+          </a:solidFill>
+          <a:ln w="38100">
+            <a:solidFill>
+              <a:schemeClr val="accent6"/>
+            </a:solidFill>
+          </a:ln>
+        </p:spPr>
+        <p:style>
+          <a:lnRef idx="0">
+            <a:scrgbClr r="0" g="0" b="0"/>
+          </a:lnRef>
+          <a:fillRef idx="0">
+            <a:scrgbClr r="0" g="0" b="0"/>
+          </a:fillRef>
+          <a:effectRef idx="0">
+            <a:scrgbClr r="0" g="0" b="0"/>
+          </a:effectRef>
+          <a:fontRef idx="minor">
+            <a:schemeClr val="lt1"/>
+          </a:fontRef>
+        </p:style>
+        <p:txBody>
+          <a:bodyPr wrap="square" rtlCol="0">
+            <a:spAutoFit/>
+          </a:bodyPr>
+          <a:lstStyle/>
+          <a:p>
+            <a:r>
+              <a:rPr lang="en-US" altLang="ko-KR" dirty="0">
+                <a:solidFill>
+                  <a:schemeClr val="tx1"/>
+                </a:solidFill>
+                <a:latin typeface="+mn-ea"/>
+              </a:rPr>
+              <a:t>2</a:t>
+            </a:r>
+            <a:r>
+              <a:rPr lang="ko-KR" altLang="en-US" dirty="0">
+                <a:solidFill>
+                  <a:schemeClr val="tx1"/>
+                </a:solidFill>
+                <a:latin typeface="+mn-ea"/>
+              </a:rPr>
+              <a:t>번에 근접한 칼로리 양의 식단을 추천합니다</a:t>
+            </a:r>
+            <a:r>
+              <a:rPr lang="en-US" altLang="ko-KR" dirty="0">
+                <a:solidFill>
+                  <a:schemeClr val="tx1"/>
+                </a:solidFill>
+                <a:latin typeface="+mn-ea"/>
+              </a:rPr>
+              <a:t>.</a:t>
+            </a:r>
+            <a:endParaRPr lang="ko-KR" altLang="en-US" dirty="0">
+              <a:solidFill>
+                <a:schemeClr val="tx1"/>
+              </a:solidFill>
+              <a:latin typeface="+mn-ea"/>
+            </a:endParaRPr>
+          </a:p>
+        </p:txBody>
+      </p:sp>
+      <p:sp>
+        <p:nvSpPr>
+          <p:cNvPr id="19" name="TextBox 18">
+            <a:extLst>
+              <a:ext uri="{FF2B5EF4-FFF2-40B4-BE49-F238E27FC236}">
+                <a16:creationId xmlns:a16="http://schemas.microsoft.com/office/drawing/2014/main" id="{E4C69132-689F-870C-5E77-C49AEF487433}"/>
+              </a:ext>
+            </a:extLst>
+          </p:cNvPr>
+          <p:cNvSpPr txBox="1"/>
+          <p:nvPr/>
+        </p:nvSpPr>
+        <p:spPr>
+          <a:xfrm>
+            <a:off x="633689" y="8842932"/>
+            <a:ext cx="1628099" cy="738664"/>
+          </a:xfrm>
+          <a:prstGeom prst="rect">
+            <a:avLst/>
+          </a:prstGeom>
+          <a:solidFill>
+            <a:schemeClr val="accent6">
+              <a:alpha val="50000"/>
+            </a:schemeClr>
+          </a:solidFill>
+          <a:ln w="38100">
+            <a:solidFill>
+              <a:schemeClr val="accent6"/>
+            </a:solidFill>
+          </a:ln>
+        </p:spPr>
+        <p:style>
+          <a:lnRef idx="0">
+            <a:scrgbClr r="0" g="0" b="0"/>
+          </a:lnRef>
+          <a:fillRef idx="0">
+            <a:scrgbClr r="0" g="0" b="0"/>
+          </a:fillRef>
+          <a:effectRef idx="0">
+            <a:scrgbClr r="0" g="0" b="0"/>
+          </a:effectRef>
+          <a:fontRef idx="minor">
+            <a:schemeClr val="lt1"/>
+          </a:fontRef>
+        </p:style>
+        <p:txBody>
+          <a:bodyPr wrap="square" rtlCol="0">
+            <a:spAutoFit/>
+          </a:bodyPr>
+          <a:lstStyle/>
+          <a:p>
+            <a:r>
+              <a:rPr lang="ko-KR" altLang="en-US" dirty="0">
+                <a:solidFill>
+                  <a:schemeClr val="tx1"/>
+                </a:solidFill>
+                <a:latin typeface="+mn-ea"/>
+              </a:rPr>
+              <a:t>추천하는 식단의 상세 레시피를 가져옵니다</a:t>
+            </a:r>
+            <a:r>
+              <a:rPr lang="en-US" altLang="ko-KR" dirty="0">
+                <a:solidFill>
+                  <a:schemeClr val="tx1"/>
+                </a:solidFill>
+                <a:latin typeface="+mn-ea"/>
+              </a:rPr>
+              <a:t>.</a:t>
+            </a:r>
+            <a:endParaRPr lang="ko-KR" altLang="en-US" dirty="0">
+              <a:solidFill>
+                <a:schemeClr val="tx1"/>
+              </a:solidFill>
+              <a:latin typeface="+mn-ea"/>
+            </a:endParaRPr>
+          </a:p>
+        </p:txBody>
+      </p:sp>
+      <p:sp>
+        <p:nvSpPr>
+          <p:cNvPr id="20" name="TextBox 19">
+            <a:extLst>
+              <a:ext uri="{FF2B5EF4-FFF2-40B4-BE49-F238E27FC236}">
+                <a16:creationId xmlns:a16="http://schemas.microsoft.com/office/drawing/2014/main" id="{E96EED13-9E4A-35DF-08DF-6F2EF1971402}"/>
+              </a:ext>
+            </a:extLst>
+          </p:cNvPr>
+          <p:cNvSpPr txBox="1"/>
+          <p:nvPr/>
+        </p:nvSpPr>
+        <p:spPr>
+          <a:xfrm>
+            <a:off x="166338" y="4142971"/>
+            <a:ext cx="2079577" cy="954107"/>
+          </a:xfrm>
+          <a:prstGeom prst="rect">
+            <a:avLst/>
+          </a:prstGeom>
+          <a:solidFill>
+            <a:schemeClr val="accent6">
+              <a:alpha val="50000"/>
+            </a:schemeClr>
+          </a:solidFill>
+          <a:ln w="38100">
+            <a:solidFill>
+              <a:schemeClr val="accent6"/>
+            </a:solidFill>
+          </a:ln>
+        </p:spPr>
+        <p:style>
+          <a:lnRef idx="0">
+            <a:scrgbClr r="0" g="0" b="0"/>
+          </a:lnRef>
+          <a:fillRef idx="0">
+            <a:scrgbClr r="0" g="0" b="0"/>
+          </a:fillRef>
+          <a:effectRef idx="0">
+            <a:scrgbClr r="0" g="0" b="0"/>
+          </a:effectRef>
+          <a:fontRef idx="minor">
+            <a:schemeClr val="lt1"/>
+          </a:fontRef>
+        </p:style>
+        <p:txBody>
+          <a:bodyPr wrap="square" rtlCol="0">
+            <a:spAutoFit/>
+          </a:bodyPr>
+          <a:lstStyle/>
+          <a:p>
+            <a:r>
+              <a:rPr lang="ko-KR" altLang="en-US" dirty="0">
+                <a:solidFill>
+                  <a:schemeClr val="tx1"/>
+                </a:solidFill>
+                <a:latin typeface="+mn-ea"/>
+              </a:rPr>
+              <a:t>권장섭취량에서 에너지 </a:t>
+            </a:r>
+            <a:r>
+              <a:rPr lang="ko-KR" altLang="en-US" dirty="0" err="1">
+                <a:solidFill>
+                  <a:schemeClr val="tx1"/>
+                </a:solidFill>
+                <a:latin typeface="+mn-ea"/>
+              </a:rPr>
+              <a:t>필요추정량</a:t>
+            </a:r>
+            <a:r>
+              <a:rPr lang="ko-KR" altLang="en-US" dirty="0">
+                <a:solidFill>
+                  <a:schemeClr val="tx1"/>
+                </a:solidFill>
+                <a:latin typeface="+mn-ea"/>
+              </a:rPr>
+              <a:t> 공식을 활용하여 계산된 값입니다</a:t>
+            </a:r>
+            <a:r>
+              <a:rPr lang="en-US" altLang="ko-KR" dirty="0">
+                <a:solidFill>
+                  <a:schemeClr val="tx1"/>
+                </a:solidFill>
+                <a:latin typeface="+mn-ea"/>
+              </a:rPr>
+              <a:t>.</a:t>
+            </a:r>
+            <a:endParaRPr lang="ko-KR" altLang="en-US" dirty="0">
+              <a:solidFill>
+                <a:schemeClr val="tx1"/>
+              </a:solidFill>
+              <a:latin typeface="+mn-ea"/>
+            </a:endParaRPr>
+          </a:p>
+        </p:txBody>
+      </p:sp>
+      <p:cxnSp>
+        <p:nvCxnSpPr>
+          <p:cNvPr id="21" name="연결선: 꺾임 20">
+            <a:extLst>
+              <a:ext uri="{FF2B5EF4-FFF2-40B4-BE49-F238E27FC236}">
+                <a16:creationId xmlns:a16="http://schemas.microsoft.com/office/drawing/2014/main" id="{FB189AED-7C50-D678-8829-C37B3636866B}"/>
+              </a:ext>
+            </a:extLst>
+          </p:cNvPr>
+          <p:cNvCxnSpPr>
+            <a:cxnSpLocks/>
+          </p:cNvCxnSpPr>
+          <p:nvPr/>
+        </p:nvCxnSpPr>
+        <p:spPr>
+          <a:xfrm>
+            <a:off x="8949277" y="3506844"/>
+            <a:ext cx="7377169" cy="3494008"/>
+          </a:xfrm>
+          <a:prstGeom prst="bentConnector3">
+            <a:avLst>
+              <a:gd name="adj1" fmla="val 14984"/>
+            </a:avLst>
+          </a:prstGeom>
+        </p:spPr>
+        <p:style>
+          <a:lnRef idx="1">
+            <a:schemeClr val="accent6"/>
+          </a:lnRef>
+          <a:fillRef idx="0">
+            <a:schemeClr val="accent6"/>
+          </a:fillRef>
+          <a:effectRef idx="0">
+            <a:schemeClr val="accent6"/>
+          </a:effectRef>
+          <a:fontRef idx="minor">
+            <a:schemeClr val="tx1"/>
+          </a:fontRef>
+        </p:style>
+      </p:cxnSp>
+      <p:sp>
+        <p:nvSpPr>
+          <p:cNvPr id="25" name="TextBox 24">
+            <a:extLst>
+              <a:ext uri="{FF2B5EF4-FFF2-40B4-BE49-F238E27FC236}">
+                <a16:creationId xmlns:a16="http://schemas.microsoft.com/office/drawing/2014/main" id="{E88355BF-C61B-E2BA-C01C-C14B4CF05369}"/>
+              </a:ext>
+            </a:extLst>
+          </p:cNvPr>
+          <p:cNvSpPr txBox="1"/>
+          <p:nvPr/>
+        </p:nvSpPr>
+        <p:spPr>
+          <a:xfrm>
+            <a:off x="16326446" y="6631520"/>
+            <a:ext cx="1628099" cy="2031325"/>
+          </a:xfrm>
+          <a:prstGeom prst="rect">
+            <a:avLst/>
+          </a:prstGeom>
+          <a:solidFill>
+            <a:schemeClr val="accent6">
+              <a:alpha val="50000"/>
+            </a:schemeClr>
+          </a:solidFill>
+          <a:ln w="38100">
+            <a:solidFill>
+              <a:schemeClr val="accent6"/>
+            </a:solidFill>
+          </a:ln>
+        </p:spPr>
+        <p:style>
+          <a:lnRef idx="0">
+            <a:scrgbClr r="0" g="0" b="0"/>
+          </a:lnRef>
+          <a:fillRef idx="0">
+            <a:scrgbClr r="0" g="0" b="0"/>
+          </a:fillRef>
+          <a:effectRef idx="0">
+            <a:scrgbClr r="0" g="0" b="0"/>
+          </a:effectRef>
+          <a:fontRef idx="minor">
+            <a:schemeClr val="lt1"/>
+          </a:fontRef>
+        </p:style>
+        <p:txBody>
+          <a:bodyPr wrap="square" rtlCol="0">
+            <a:spAutoFit/>
+          </a:bodyPr>
+          <a:lstStyle/>
+          <a:p>
+            <a:r>
+              <a:rPr lang="en-US" altLang="ko-KR" dirty="0">
+                <a:solidFill>
+                  <a:schemeClr val="tx1"/>
+                </a:solidFill>
+                <a:latin typeface="+mn-ea"/>
+              </a:rPr>
+              <a:t>BMI</a:t>
+            </a:r>
+            <a:r>
+              <a:rPr lang="ko-KR" altLang="en-US" dirty="0">
+                <a:solidFill>
+                  <a:schemeClr val="tx1"/>
+                </a:solidFill>
+                <a:latin typeface="+mn-ea"/>
+              </a:rPr>
+              <a:t>에 따라 </a:t>
+            </a:r>
+            <a:r>
+              <a:rPr lang="ko-KR" altLang="en-US" dirty="0" err="1">
+                <a:solidFill>
+                  <a:schemeClr val="tx1"/>
+                </a:solidFill>
+                <a:latin typeface="+mn-ea"/>
+              </a:rPr>
+              <a:t>저체중일시</a:t>
+            </a:r>
+            <a:r>
+              <a:rPr lang="ko-KR" altLang="en-US" dirty="0">
+                <a:solidFill>
+                  <a:schemeClr val="tx1"/>
+                </a:solidFill>
+                <a:latin typeface="+mn-ea"/>
+              </a:rPr>
+              <a:t> 에너지를 섭취할 수 있도록 하고 비만일시 정상체중을 위하여 에너지를 덜 섭취하도록 설정하였습니다</a:t>
+            </a:r>
+            <a:r>
+              <a:rPr lang="en-US" altLang="ko-KR" dirty="0">
+                <a:solidFill>
+                  <a:schemeClr val="tx1"/>
+                </a:solidFill>
+                <a:latin typeface="+mn-ea"/>
+              </a:rPr>
+              <a:t>.</a:t>
+            </a:r>
+            <a:endParaRPr lang="ko-KR" altLang="en-US" dirty="0">
+              <a:solidFill>
+                <a:schemeClr val="tx1"/>
+              </a:solidFill>
+              <a:latin typeface="+mn-ea"/>
+            </a:endParaRPr>
+          </a:p>
+        </p:txBody>
+      </p:sp>
+      <p:sp>
+        <p:nvSpPr>
+          <p:cNvPr id="28" name="TextBox 27">
+            <a:extLst>
+              <a:ext uri="{FF2B5EF4-FFF2-40B4-BE49-F238E27FC236}">
+                <a16:creationId xmlns:a16="http://schemas.microsoft.com/office/drawing/2014/main" id="{6AFE1CDB-492F-1237-84FB-F3101F2EC63F}"/>
+              </a:ext>
+            </a:extLst>
+          </p:cNvPr>
+          <p:cNvSpPr txBox="1"/>
+          <p:nvPr/>
+        </p:nvSpPr>
+        <p:spPr>
+          <a:xfrm>
+            <a:off x="15413163" y="4804141"/>
+            <a:ext cx="1628099" cy="738664"/>
+          </a:xfrm>
+          <a:prstGeom prst="rect">
+            <a:avLst/>
+          </a:prstGeom>
+          <a:solidFill>
+            <a:schemeClr val="accent6">
+              <a:alpha val="50000"/>
+            </a:schemeClr>
+          </a:solidFill>
+          <a:ln w="38100">
+            <a:solidFill>
+              <a:schemeClr val="accent6"/>
+            </a:solidFill>
+          </a:ln>
+        </p:spPr>
+        <p:style>
+          <a:lnRef idx="0">
+            <a:scrgbClr r="0" g="0" b="0"/>
+          </a:lnRef>
+          <a:fillRef idx="0">
+            <a:scrgbClr r="0" g="0" b="0"/>
+          </a:fillRef>
+          <a:effectRef idx="0">
+            <a:scrgbClr r="0" g="0" b="0"/>
+          </a:effectRef>
+          <a:fontRef idx="minor">
+            <a:schemeClr val="lt1"/>
+          </a:fontRef>
+        </p:style>
+        <p:txBody>
+          <a:bodyPr wrap="square" rtlCol="0">
+            <a:spAutoFit/>
+          </a:bodyPr>
+          <a:lstStyle/>
+          <a:p>
+            <a:r>
+              <a:rPr lang="ko-KR" altLang="en-US" dirty="0">
+                <a:solidFill>
+                  <a:schemeClr val="tx1"/>
+                </a:solidFill>
+                <a:latin typeface="+mn-ea"/>
+              </a:rPr>
+              <a:t>학습한 데이터를 가지고 예측합니다</a:t>
+            </a:r>
+            <a:r>
+              <a:rPr lang="en-US" altLang="ko-KR" dirty="0">
+                <a:solidFill>
+                  <a:schemeClr val="tx1"/>
+                </a:solidFill>
+                <a:latin typeface="+mn-ea"/>
+              </a:rPr>
+              <a:t>.</a:t>
+            </a:r>
+            <a:endParaRPr lang="ko-KR" altLang="en-US" dirty="0">
+              <a:solidFill>
+                <a:schemeClr val="tx1"/>
+              </a:solidFill>
+              <a:latin typeface="+mn-ea"/>
+            </a:endParaRPr>
+          </a:p>
+        </p:txBody>
+      </p:sp>
+      <p:sp>
+        <p:nvSpPr>
+          <p:cNvPr id="29" name="TextBox 28">
+            <a:extLst>
+              <a:ext uri="{FF2B5EF4-FFF2-40B4-BE49-F238E27FC236}">
+                <a16:creationId xmlns:a16="http://schemas.microsoft.com/office/drawing/2014/main" id="{9EE38C57-D5AA-3248-1F6B-F43710180F8A}"/>
+              </a:ext>
+            </a:extLst>
+          </p:cNvPr>
+          <p:cNvSpPr txBox="1"/>
+          <p:nvPr/>
+        </p:nvSpPr>
+        <p:spPr>
+          <a:xfrm>
+            <a:off x="15304305" y="3842016"/>
+            <a:ext cx="1628099" cy="738664"/>
+          </a:xfrm>
+          <a:prstGeom prst="rect">
+            <a:avLst/>
+          </a:prstGeom>
+          <a:solidFill>
+            <a:schemeClr val="accent6">
+              <a:alpha val="50000"/>
+            </a:schemeClr>
+          </a:solidFill>
+          <a:ln w="38100">
+            <a:solidFill>
+              <a:schemeClr val="accent6"/>
+            </a:solidFill>
+          </a:ln>
+        </p:spPr>
+        <p:style>
+          <a:lnRef idx="0">
+            <a:scrgbClr r="0" g="0" b="0"/>
+          </a:lnRef>
+          <a:fillRef idx="0">
+            <a:scrgbClr r="0" g="0" b="0"/>
+          </a:fillRef>
+          <a:effectRef idx="0">
+            <a:scrgbClr r="0" g="0" b="0"/>
+          </a:effectRef>
+          <a:fontRef idx="minor">
+            <a:schemeClr val="lt1"/>
+          </a:fontRef>
+        </p:style>
+        <p:txBody>
+          <a:bodyPr wrap="square" rtlCol="0">
+            <a:spAutoFit/>
+          </a:bodyPr>
+          <a:lstStyle/>
+          <a:p>
+            <a:r>
+              <a:rPr lang="ko-KR" altLang="en-US" dirty="0">
+                <a:solidFill>
+                  <a:schemeClr val="tx1"/>
+                </a:solidFill>
+                <a:latin typeface="+mn-ea"/>
+              </a:rPr>
+              <a:t>입력데이터에 따라서 비만도를 계산합니다</a:t>
+            </a:r>
+            <a:r>
+              <a:rPr lang="en-US" altLang="ko-KR" dirty="0">
+                <a:solidFill>
+                  <a:schemeClr val="tx1"/>
+                </a:solidFill>
+                <a:latin typeface="+mn-ea"/>
+              </a:rPr>
+              <a:t>.</a:t>
+            </a:r>
+            <a:endParaRPr lang="ko-KR" altLang="en-US" dirty="0">
+              <a:solidFill>
+                <a:schemeClr val="tx1"/>
+              </a:solidFill>
+              <a:latin typeface="+mn-ea"/>
+            </a:endParaRPr>
+          </a:p>
+        </p:txBody>
+      </p:sp>
     </p:spTree>
     <p:extLst>
       <p:ext uri="{BB962C8B-B14F-4D97-AF65-F5344CB8AC3E}">
@@ -24536,7 +26584,7 @@
 </p:sld>
 </file>
 
-<file path=ppt/slides/slide24.xml><?xml version="1.0" encoding="utf-8"?>
+<file path=ppt/slides/slide25.xml><?xml version="1.0" encoding="utf-8"?>
 <p:sld xmlns:a="http://schemas.openxmlformats.org/drawingml/2006/main" xmlns:r="http://schemas.openxmlformats.org/officeDocument/2006/relationships" xmlns:p="http://schemas.openxmlformats.org/presentationml/2006/main">
   <p:cSld>
     <p:spTree>
@@ -25518,7 +27566,7 @@
 </p:sld>
 </file>
 
-<file path=ppt/slides/slide25.xml><?xml version="1.0" encoding="utf-8"?>
+<file path=ppt/slides/slide26.xml><?xml version="1.0" encoding="utf-8"?>
 <p:sld xmlns:a="http://schemas.openxmlformats.org/drawingml/2006/main" xmlns:r="http://schemas.openxmlformats.org/officeDocument/2006/relationships" xmlns:p="http://schemas.openxmlformats.org/presentationml/2006/main">
   <p:cSld>
     <p:spTree>
@@ -26977,6 +29025,36 @@
           </a:p>
         </p:txBody>
       </p:sp>
+      <p:pic>
+        <p:nvPicPr>
+          <p:cNvPr id="3" name="그림 2">
+            <a:extLst>
+              <a:ext uri="{FF2B5EF4-FFF2-40B4-BE49-F238E27FC236}">
+                <a16:creationId xmlns:a16="http://schemas.microsoft.com/office/drawing/2014/main" id="{AE2478FD-6251-9130-315F-E8A98F86DC0B}"/>
+              </a:ext>
+            </a:extLst>
+          </p:cNvPr>
+          <p:cNvPicPr>
+            <a:picLocks noChangeAspect="1"/>
+          </p:cNvPicPr>
+          <p:nvPr/>
+        </p:nvPicPr>
+        <p:blipFill>
+          <a:blip r:embed="rId4"/>
+          <a:stretch>
+            <a:fillRect/>
+          </a:stretch>
+        </p:blipFill>
+        <p:spPr>
+          <a:xfrm>
+            <a:off x="3712120" y="2817492"/>
+            <a:ext cx="10383699" cy="6944694"/>
+          </a:xfrm>
+          <a:prstGeom prst="rect">
+            <a:avLst/>
+          </a:prstGeom>
+        </p:spPr>
+      </p:pic>
     </p:spTree>
   </p:cSld>
   <p:clrMapOvr>
@@ -27056,7 +29134,7 @@
           <a:bodyPr/>
           <a:lstStyle/>
           <a:p>
-            <a:endParaRPr lang="ko-KR" altLang="en-US"/>
+            <a:endParaRPr lang="ko-KR" altLang="en-US" dirty="0"/>
           </a:p>
         </p:txBody>
       </p:sp>
@@ -27192,8 +29270,8 @@
         </p:nvGrpSpPr>
         <p:grpSpPr>
           <a:xfrm>
-            <a:off x="1070350" y="2817521"/>
-            <a:ext cx="15040772" cy="1181393"/>
+            <a:off x="1070350" y="2817522"/>
+            <a:ext cx="15040772" cy="600048"/>
             <a:chOff x="836626" y="-452187"/>
             <a:chExt cx="7344844" cy="432001"/>
           </a:xfrm>
@@ -27235,7 +29313,7 @@
                 <a:buNone/>
               </a:pPr>
               <a:r>
-                <a:rPr lang="en-US" sz="4000" b="1">
+                <a:rPr lang="en-US" sz="2400" b="1" dirty="0">
                   <a:solidFill>
                     <a:srgbClr val="FFFFFF"/>
                   </a:solidFill>
@@ -27246,7 +29324,7 @@
                 </a:rPr>
                 <a:t>OS</a:t>
               </a:r>
-              <a:endParaRPr sz="4000"/>
+              <a:endParaRPr sz="2400" dirty="0"/>
             </a:p>
           </p:txBody>
         </p:sp>
@@ -27293,9 +29371,9 @@
                 <a:buNone/>
               </a:pPr>
               <a:r>
-                <a:rPr lang="en-US" sz="3000" dirty="0">
+                <a:rPr lang="en-US" sz="2400" dirty="0">
                   <a:solidFill>
-                    <a:srgbClr val="3F3F48"/>
+                    <a:schemeClr val="tx1"/>
                   </a:solidFill>
                   <a:latin typeface="Malgun Gothic"/>
                   <a:ea typeface="Malgun Gothic"/>
@@ -27304,9 +29382,9 @@
                 </a:rPr>
                 <a:t>Windows 10 Pro</a:t>
               </a:r>
-              <a:endParaRPr sz="3000" dirty="0">
+              <a:endParaRPr sz="2400" dirty="0">
                 <a:solidFill>
-                  <a:srgbClr val="3F3F48"/>
+                  <a:schemeClr val="tx1"/>
                 </a:solidFill>
                 <a:latin typeface="Malgun Gothic"/>
                 <a:ea typeface="Malgun Gothic"/>
@@ -27325,8 +29403,8 @@
         </p:nvGrpSpPr>
         <p:grpSpPr>
           <a:xfrm>
-            <a:off x="1070350" y="4433866"/>
-            <a:ext cx="15040774" cy="1135771"/>
+            <a:off x="1070350" y="3690917"/>
+            <a:ext cx="15040774" cy="576876"/>
             <a:chOff x="827088" y="2964656"/>
             <a:chExt cx="7344845" cy="432000"/>
           </a:xfrm>
@@ -27368,7 +29446,7 @@
                 <a:buNone/>
               </a:pPr>
               <a:r>
-                <a:rPr lang="en-US" sz="3700" b="1">
+                <a:rPr lang="en-US" sz="2400" b="1">
                   <a:solidFill>
                     <a:srgbClr val="FFFFFF"/>
                   </a:solidFill>
@@ -27379,7 +29457,7 @@
                 </a:rPr>
                 <a:t>Language</a:t>
               </a:r>
-              <a:endParaRPr sz="3700"/>
+              <a:endParaRPr sz="2400"/>
             </a:p>
           </p:txBody>
         </p:sp>
@@ -27426,9 +29504,9 @@
                 <a:buNone/>
               </a:pPr>
               <a:r>
-                <a:rPr lang="en-US" sz="3000">
+                <a:rPr lang="en-US" sz="2400" dirty="0">
                   <a:solidFill>
-                    <a:srgbClr val="3F3F48"/>
+                    <a:schemeClr val="tx1"/>
                   </a:solidFill>
                   <a:latin typeface="Malgun Gothic"/>
                   <a:ea typeface="Malgun Gothic"/>
@@ -27437,9 +29515,9 @@
                 </a:rPr>
                 <a:t>Python 3.10.5</a:t>
               </a:r>
-              <a:endParaRPr sz="3000">
+              <a:endParaRPr sz="2400" dirty="0">
                 <a:solidFill>
-                  <a:srgbClr val="3F3F48"/>
+                  <a:schemeClr val="tx1"/>
                 </a:solidFill>
                 <a:latin typeface="Malgun Gothic"/>
                 <a:ea typeface="Malgun Gothic"/>
@@ -27458,10 +29536,10 @@
         </p:nvGrpSpPr>
         <p:grpSpPr>
           <a:xfrm>
-            <a:off x="1028700" y="7893649"/>
-            <a:ext cx="15079820" cy="2237928"/>
-            <a:chOff x="827088" y="5229201"/>
-            <a:chExt cx="7364632" cy="924000"/>
+            <a:off x="1028700" y="5801961"/>
+            <a:ext cx="15079820" cy="2087519"/>
+            <a:chOff x="827088" y="5229200"/>
+            <a:chExt cx="7364632" cy="1452784"/>
           </a:xfrm>
         </p:grpSpPr>
         <p:sp>
@@ -27472,8 +29550,8 @@
           </p:nvSpPr>
           <p:spPr>
             <a:xfrm>
-              <a:off x="2071720" y="5229201"/>
-              <a:ext cx="6120000" cy="924000"/>
+              <a:off x="2071720" y="5229200"/>
+              <a:ext cx="6120000" cy="1452784"/>
             </a:xfrm>
             <a:prstGeom prst="rect">
               <a:avLst/>
@@ -27497,47 +29575,304 @@
             </a:bodyPr>
             <a:lstStyle/>
             <a:p>
-              <a:pPr marL="179999" marR="0" lvl="0" indent="0" algn="l" rtl="0">
+              <a:pPr marL="0" marR="0" lvl="0" indent="0" algn="l" defTabSz="914400" rtl="0" eaLnBrk="0" fontAlgn="base" latinLnBrk="0" hangingPunct="0">
                 <a:lnSpc>
-                  <a:spcPct val="150000"/>
+                  <a:spcPct val="100000"/>
                 </a:lnSpc>
                 <a:spcBef>
-                  <a:spcPts val="0"/>
+                  <a:spcPct val="0"/>
                 </a:spcBef>
                 <a:spcAft>
-                  <a:spcPts val="0"/>
+                  <a:spcPct val="0"/>
                 </a:spcAft>
-                <a:buNone/>
+                <a:buClrTx/>
+                <a:buSzTx/>
+                <a:tabLst/>
               </a:pPr>
               <a:r>
-                <a:rPr lang="en-US" sz="3000" dirty="0">
+                <a:rPr kumimoji="0" lang="en-US" altLang="ko-KR" sz="2400" b="0" i="0" u="none" strike="noStrike" cap="none" normalizeH="0" baseline="0" dirty="0">
+                  <a:ln>
+                    <a:noFill/>
+                  </a:ln>
                   <a:solidFill>
-                    <a:srgbClr val="3F3F48"/>
+                    <a:schemeClr val="tx1"/>
                   </a:solidFill>
-                  <a:latin typeface="Malgun Gothic"/>
-                  <a:ea typeface="Malgun Gothic"/>
-                  <a:cs typeface="Malgun Gothic"/>
-                  <a:sym typeface="Malgun Gothic"/>
-                </a:rPr>
-                <a:t>Tensorflow-2.10, selenium,</a:t>
-              </a:r>
-              <a:r>
-                <a:rPr lang="en-US" altLang="ko-KR" sz="4000" dirty="0">
-                  <a:solidFill>
-                    <a:srgbClr val="3F3F48"/>
-                  </a:solidFill>
+                  <a:effectLst/>
+                  <a:latin typeface="+mn-ea"/>
+                  <a:ea typeface="+mn-ea"/>
                 </a:rPr>
                 <a:t> </a:t>
               </a:r>
               <a:r>
-                <a:rPr lang="en-US" altLang="ko-KR" sz="3000" dirty="0">
+                <a:rPr kumimoji="0" lang="ko-KR" altLang="ko-KR" sz="2400" b="0" i="0" u="none" strike="noStrike" cap="none" normalizeH="0" baseline="0" dirty="0">
+                  <a:ln>
+                    <a:noFill/>
+                  </a:ln>
                   <a:solidFill>
-                    <a:srgbClr val="3F3F48"/>
+                    <a:schemeClr val="tx1"/>
                   </a:solidFill>
+                  <a:effectLst/>
                   <a:latin typeface="+mn-ea"/>
                   <a:ea typeface="+mn-ea"/>
                 </a:rPr>
-                <a:t>Matplotlib/Seaborn, pyreadstat-1.2.8</a:t>
+                <a:t>데이터 처리: numpy-2.0.2, pandas-2.2.3, pyreadstat-1.2.8, joblib-1.4.2</a:t>
+              </a:r>
+            </a:p>
+            <a:p>
+              <a:pPr marL="0" marR="0" lvl="0" indent="0" algn="l" defTabSz="914400" rtl="0" eaLnBrk="0" fontAlgn="base" latinLnBrk="0" hangingPunct="0">
+                <a:lnSpc>
+                  <a:spcPct val="100000"/>
+                </a:lnSpc>
+                <a:spcBef>
+                  <a:spcPct val="0"/>
+                </a:spcBef>
+                <a:spcAft>
+                  <a:spcPct val="0"/>
+                </a:spcAft>
+                <a:buClrTx/>
+                <a:buSzTx/>
+                <a:tabLst/>
+              </a:pPr>
+              <a:r>
+                <a:rPr kumimoji="0" lang="en-US" altLang="ko-KR" sz="2400" b="0" i="0" u="none" strike="noStrike" cap="none" normalizeH="0" baseline="0" dirty="0">
+                  <a:ln>
+                    <a:noFill/>
+                  </a:ln>
+                  <a:solidFill>
+                    <a:schemeClr val="tx1"/>
+                  </a:solidFill>
+                  <a:effectLst/>
+                  <a:latin typeface="+mn-ea"/>
+                  <a:ea typeface="+mn-ea"/>
+                </a:rPr>
+                <a:t> </a:t>
+              </a:r>
+              <a:r>
+                <a:rPr kumimoji="0" lang="ko-KR" altLang="ko-KR" sz="2400" b="0" i="0" u="none" strike="noStrike" cap="none" normalizeH="0" baseline="0" dirty="0">
+                  <a:ln>
+                    <a:noFill/>
+                  </a:ln>
+                  <a:solidFill>
+                    <a:schemeClr val="tx1"/>
+                  </a:solidFill>
+                  <a:effectLst/>
+                  <a:latin typeface="+mn-ea"/>
+                  <a:ea typeface="+mn-ea"/>
+                </a:rPr>
+                <a:t>딥러닝: tensorflow-2.18.0, keras-3.8.0, h5py-3.12.1</a:t>
+              </a:r>
+            </a:p>
+            <a:p>
+              <a:pPr marL="0" marR="0" lvl="0" indent="0" algn="l" defTabSz="914400" rtl="0" eaLnBrk="0" fontAlgn="base" latinLnBrk="0" hangingPunct="0">
+                <a:lnSpc>
+                  <a:spcPct val="100000"/>
+                </a:lnSpc>
+                <a:spcBef>
+                  <a:spcPct val="0"/>
+                </a:spcBef>
+                <a:spcAft>
+                  <a:spcPct val="0"/>
+                </a:spcAft>
+                <a:buClrTx/>
+                <a:buSzTx/>
+                <a:tabLst/>
+              </a:pPr>
+              <a:r>
+                <a:rPr kumimoji="0" lang="en-US" altLang="ko-KR" sz="2400" b="0" i="0" u="none" strike="noStrike" cap="none" normalizeH="0" baseline="0" dirty="0">
+                  <a:ln>
+                    <a:noFill/>
+                  </a:ln>
+                  <a:solidFill>
+                    <a:schemeClr val="tx1"/>
+                  </a:solidFill>
+                  <a:effectLst/>
+                  <a:latin typeface="+mn-ea"/>
+                  <a:ea typeface="+mn-ea"/>
+                </a:rPr>
+                <a:t> </a:t>
+              </a:r>
+              <a:r>
+                <a:rPr kumimoji="0" lang="ko-KR" altLang="ko-KR" sz="2400" b="0" i="0" u="none" strike="noStrike" cap="none" normalizeH="0" baseline="0" dirty="0">
+                  <a:ln>
+                    <a:noFill/>
+                  </a:ln>
+                  <a:solidFill>
+                    <a:schemeClr val="tx1"/>
+                  </a:solidFill>
+                  <a:effectLst/>
+                  <a:latin typeface="+mn-ea"/>
+                  <a:ea typeface="+mn-ea"/>
+                </a:rPr>
+                <a:t>시각화: </a:t>
+              </a:r>
+              <a:r>
+                <a:rPr kumimoji="0" lang="ko-KR" altLang="ko-KR" sz="2400" b="0" i="0" u="none" strike="noStrike" cap="none" normalizeH="0" baseline="0" dirty="0" err="1">
+                  <a:ln>
+                    <a:noFill/>
+                  </a:ln>
+                  <a:solidFill>
+                    <a:schemeClr val="tx1"/>
+                  </a:solidFill>
+                  <a:effectLst/>
+                  <a:latin typeface="+mn-ea"/>
+                  <a:ea typeface="+mn-ea"/>
+                </a:rPr>
+                <a:t>matplotlib</a:t>
+              </a:r>
+              <a:r>
+                <a:rPr kumimoji="0" lang="ko-KR" altLang="ko-KR" sz="2400" b="0" i="0" u="none" strike="noStrike" cap="none" normalizeH="0" baseline="0" dirty="0">
+                  <a:ln>
+                    <a:noFill/>
+                  </a:ln>
+                  <a:solidFill>
+                    <a:schemeClr val="tx1"/>
+                  </a:solidFill>
+                  <a:effectLst/>
+                  <a:latin typeface="+mn-ea"/>
+                  <a:ea typeface="+mn-ea"/>
+                </a:rPr>
+                <a:t>, </a:t>
+              </a:r>
+              <a:r>
+                <a:rPr kumimoji="0" lang="ko-KR" altLang="ko-KR" sz="2400" b="0" i="0" u="none" strike="noStrike" cap="none" normalizeH="0" baseline="0" dirty="0" err="1">
+                  <a:ln>
+                    <a:noFill/>
+                  </a:ln>
+                  <a:solidFill>
+                    <a:schemeClr val="tx1"/>
+                  </a:solidFill>
+                  <a:effectLst/>
+                  <a:latin typeface="+mn-ea"/>
+                  <a:ea typeface="+mn-ea"/>
+                </a:rPr>
+                <a:t>seaborn</a:t>
+              </a:r>
+              <a:endParaRPr kumimoji="0" lang="ko-KR" altLang="ko-KR" sz="2400" b="0" i="0" u="none" strike="noStrike" cap="none" normalizeH="0" baseline="0" dirty="0">
+                <a:ln>
+                  <a:noFill/>
+                </a:ln>
+                <a:solidFill>
+                  <a:schemeClr val="tx1"/>
+                </a:solidFill>
+                <a:effectLst/>
+                <a:latin typeface="+mn-ea"/>
+                <a:ea typeface="+mn-ea"/>
+              </a:endParaRPr>
+            </a:p>
+            <a:p>
+              <a:pPr marL="0" marR="0" lvl="0" indent="0" algn="l" defTabSz="914400" rtl="0" eaLnBrk="0" fontAlgn="base" latinLnBrk="0" hangingPunct="0">
+                <a:lnSpc>
+                  <a:spcPct val="100000"/>
+                </a:lnSpc>
+                <a:spcBef>
+                  <a:spcPct val="0"/>
+                </a:spcBef>
+                <a:spcAft>
+                  <a:spcPct val="0"/>
+                </a:spcAft>
+                <a:buClrTx/>
+                <a:buSzTx/>
+                <a:tabLst/>
+              </a:pPr>
+              <a:r>
+                <a:rPr kumimoji="0" lang="en-US" altLang="ko-KR" sz="2400" b="0" i="0" u="none" strike="noStrike" cap="none" normalizeH="0" baseline="0" dirty="0">
+                  <a:ln>
+                    <a:noFill/>
+                  </a:ln>
+                  <a:solidFill>
+                    <a:schemeClr val="tx1"/>
+                  </a:solidFill>
+                  <a:effectLst/>
+                  <a:latin typeface="+mn-ea"/>
+                  <a:ea typeface="+mn-ea"/>
+                </a:rPr>
+                <a:t> </a:t>
+              </a:r>
+              <a:r>
+                <a:rPr kumimoji="0" lang="ko-KR" altLang="ko-KR" sz="2400" b="0" i="0" u="none" strike="noStrike" cap="none" normalizeH="0" baseline="0" dirty="0">
+                  <a:ln>
+                    <a:noFill/>
+                  </a:ln>
+                  <a:solidFill>
+                    <a:schemeClr val="tx1"/>
+                  </a:solidFill>
+                  <a:effectLst/>
+                  <a:latin typeface="+mn-ea"/>
+                  <a:ea typeface="+mn-ea"/>
+                </a:rPr>
+                <a:t>웹 </a:t>
+              </a:r>
+              <a:r>
+                <a:rPr kumimoji="0" lang="ko-KR" altLang="ko-KR" sz="2400" b="0" i="0" u="none" strike="noStrike" cap="none" normalizeH="0" baseline="0" dirty="0" err="1">
+                  <a:ln>
+                    <a:noFill/>
+                  </a:ln>
+                  <a:solidFill>
+                    <a:schemeClr val="tx1"/>
+                  </a:solidFill>
+                  <a:effectLst/>
+                  <a:latin typeface="+mn-ea"/>
+                  <a:ea typeface="+mn-ea"/>
+                </a:rPr>
+                <a:t>크롤링</a:t>
+              </a:r>
+              <a:r>
+                <a:rPr kumimoji="0" lang="ko-KR" altLang="ko-KR" sz="2400" b="0" i="0" u="none" strike="noStrike" cap="none" normalizeH="0" baseline="0" dirty="0">
+                  <a:ln>
+                    <a:noFill/>
+                  </a:ln>
+                  <a:solidFill>
+                    <a:schemeClr val="tx1"/>
+                  </a:solidFill>
+                  <a:effectLst/>
+                  <a:latin typeface="+mn-ea"/>
+                  <a:ea typeface="+mn-ea"/>
+                </a:rPr>
+                <a:t>: selenium-4.27.1, python-multipart-0.0.20</a:t>
+              </a:r>
+            </a:p>
+            <a:p>
+              <a:pPr marL="0" marR="0" lvl="0" indent="0" algn="l" defTabSz="914400" rtl="0" eaLnBrk="0" fontAlgn="base" latinLnBrk="0" hangingPunct="0">
+                <a:lnSpc>
+                  <a:spcPct val="100000"/>
+                </a:lnSpc>
+                <a:spcBef>
+                  <a:spcPct val="0"/>
+                </a:spcBef>
+                <a:spcAft>
+                  <a:spcPct val="0"/>
+                </a:spcAft>
+                <a:buClrTx/>
+                <a:buSzTx/>
+                <a:tabLst/>
+              </a:pPr>
+              <a:r>
+                <a:rPr kumimoji="0" lang="en-US" altLang="ko-KR" sz="2400" b="0" i="0" u="none" strike="noStrike" cap="none" normalizeH="0" baseline="0" dirty="0">
+                  <a:ln>
+                    <a:noFill/>
+                  </a:ln>
+                  <a:solidFill>
+                    <a:schemeClr val="tx1"/>
+                  </a:solidFill>
+                  <a:effectLst/>
+                  <a:latin typeface="+mn-ea"/>
+                  <a:ea typeface="+mn-ea"/>
+                </a:rPr>
+                <a:t> </a:t>
+              </a:r>
+              <a:r>
+                <a:rPr kumimoji="0" lang="ko-KR" altLang="ko-KR" sz="2400" b="0" i="0" u="none" strike="noStrike" cap="none" normalizeH="0" baseline="0" dirty="0">
+                  <a:ln>
+                    <a:noFill/>
+                  </a:ln>
+                  <a:solidFill>
+                    <a:schemeClr val="tx1"/>
+                  </a:solidFill>
+                  <a:effectLst/>
+                  <a:latin typeface="+mn-ea"/>
+                  <a:ea typeface="+mn-ea"/>
+                </a:rPr>
+                <a:t>기타: scikit-learn-1.6.1, Sas7bdat-2.2.3, Jinja2-3.1.5 </a:t>
               </a:r>
             </a:p>
             <a:p>
@@ -27553,19 +29888,9 @@
                 </a:spcAft>
                 <a:buNone/>
               </a:pPr>
-              <a:r>
-                <a:rPr lang="en-US" sz="3000" dirty="0">
-                  <a:solidFill>
-                    <a:srgbClr val="3F3F48"/>
-                  </a:solidFill>
-                  <a:latin typeface="+mn-ea"/>
-                  <a:ea typeface="+mn-ea"/>
-                </a:rPr>
-                <a:t>Sas7bdat-2.2.3</a:t>
-              </a:r>
-              <a:endParaRPr sz="3000" dirty="0">
+              <a:endParaRPr sz="2400" dirty="0">
                 <a:solidFill>
-                  <a:srgbClr val="3F3F48"/>
+                  <a:schemeClr val="tx1"/>
                 </a:solidFill>
                 <a:latin typeface="+mn-ea"/>
                 <a:ea typeface="+mn-ea"/>
@@ -27610,7 +29935,7 @@
                 <a:buNone/>
               </a:pPr>
               <a:r>
-                <a:rPr lang="en-US" sz="3500" b="1">
+                <a:rPr lang="en-US" sz="2400" b="1">
                   <a:solidFill>
                     <a:srgbClr val="FFFFFF"/>
                   </a:solidFill>
@@ -27621,7 +29946,7 @@
                 </a:rPr>
                 <a:t>Open</a:t>
               </a:r>
-              <a:endParaRPr sz="3500"/>
+              <a:endParaRPr sz="2400"/>
             </a:p>
             <a:p>
               <a:pPr marL="0" marR="0" lvl="0" indent="0" algn="ctr" rtl="0">
@@ -27634,7 +29959,7 @@
                 <a:buNone/>
               </a:pPr>
               <a:r>
-                <a:rPr lang="en-US" sz="3500" b="1">
+                <a:rPr lang="en-US" sz="2400" b="1">
                   <a:solidFill>
                     <a:srgbClr val="FFFFFF"/>
                   </a:solidFill>
@@ -27645,7 +29970,7 @@
                 </a:rPr>
                 <a:t>Source</a:t>
               </a:r>
-              <a:endParaRPr sz="3500"/>
+              <a:endParaRPr sz="2400"/>
             </a:p>
           </p:txBody>
         </p:sp>
@@ -27658,8 +29983,8 @@
         </p:nvGrpSpPr>
         <p:grpSpPr>
           <a:xfrm>
-            <a:off x="1070350" y="5833433"/>
-            <a:ext cx="15040774" cy="1796410"/>
+            <a:off x="1070350" y="4633283"/>
+            <a:ext cx="15040774" cy="912425"/>
             <a:chOff x="827088" y="4800600"/>
             <a:chExt cx="7344845" cy="921000"/>
           </a:xfrm>
@@ -27701,7 +30026,7 @@
                 <a:buNone/>
               </a:pPr>
               <a:r>
-                <a:rPr lang="en-US" sz="4000" b="1">
+                <a:rPr lang="en-US" sz="2400" b="1">
                   <a:solidFill>
                     <a:srgbClr val="FFFFFF"/>
                   </a:solidFill>
@@ -27712,7 +30037,7 @@
                 </a:rPr>
                 <a:t>IDE</a:t>
               </a:r>
-              <a:endParaRPr sz="4000"/>
+              <a:endParaRPr sz="2400"/>
             </a:p>
           </p:txBody>
         </p:sp>
@@ -27762,138 +30087,144 @@
                 <a:buNone/>
               </a:pPr>
               <a:r>
-                <a:rPr lang="en-US" sz="3000" dirty="0">
+                <a:rPr lang="en-US" sz="2400" dirty="0">
                   <a:solidFill>
-                    <a:srgbClr val="3F3F48"/>
+                    <a:schemeClr val="tx1"/>
                   </a:solidFill>
-                  <a:latin typeface="Malgun Gothic"/>
-                  <a:ea typeface="Malgun Gothic"/>
+                  <a:latin typeface="+mj-ea"/>
+                  <a:ea typeface="+mj-ea"/>
                   <a:cs typeface="Malgun Gothic"/>
                   <a:sym typeface="Malgun Gothic"/>
                 </a:rPr>
                 <a:t>Anaconda </a:t>
               </a:r>
               <a:r>
-                <a:rPr lang="en-US" sz="3000" dirty="0" err="1">
+                <a:rPr lang="en-US" sz="2400" dirty="0" err="1">
                   <a:solidFill>
-                    <a:srgbClr val="3F3F48"/>
+                    <a:schemeClr val="tx1"/>
                   </a:solidFill>
-                  <a:latin typeface="Malgun Gothic"/>
-                  <a:ea typeface="Malgun Gothic"/>
+                  <a:latin typeface="+mj-ea"/>
+                  <a:ea typeface="+mj-ea"/>
                   <a:cs typeface="Malgun Gothic"/>
                   <a:sym typeface="Malgun Gothic"/>
                 </a:rPr>
                 <a:t>jyputer</a:t>
               </a:r>
               <a:r>
-                <a:rPr lang="en-US" sz="3000" dirty="0">
+                <a:rPr lang="en-US" sz="2400" dirty="0">
                   <a:solidFill>
-                    <a:srgbClr val="3F3F48"/>
+                    <a:schemeClr val="tx1"/>
                   </a:solidFill>
-                  <a:latin typeface="Malgun Gothic"/>
-                  <a:ea typeface="Malgun Gothic"/>
+                  <a:latin typeface="+mj-ea"/>
+                  <a:ea typeface="+mj-ea"/>
                   <a:cs typeface="Malgun Gothic"/>
                   <a:sym typeface="Malgun Gothic"/>
                 </a:rPr>
                 <a:t> notebook(</a:t>
               </a:r>
               <a:r>
-                <a:rPr lang="en-US" sz="3000" dirty="0" err="1">
+                <a:rPr lang="en-US" sz="2400" dirty="0" err="1">
                   <a:solidFill>
-                    <a:srgbClr val="3F3F48"/>
+                    <a:schemeClr val="tx1"/>
                   </a:solidFill>
-                  <a:latin typeface="Malgun Gothic"/>
-                  <a:ea typeface="Malgun Gothic"/>
+                  <a:latin typeface="+mj-ea"/>
+                  <a:ea typeface="+mj-ea"/>
                   <a:cs typeface="Malgun Gothic"/>
                   <a:sym typeface="Malgun Gothic"/>
                 </a:rPr>
                 <a:t>데이터정제</a:t>
               </a:r>
               <a:r>
-                <a:rPr lang="en-US" sz="3000" dirty="0">
+                <a:rPr lang="en-US" sz="2400" dirty="0">
                   <a:solidFill>
-                    <a:srgbClr val="3F3F48"/>
+                    <a:schemeClr val="tx1"/>
                   </a:solidFill>
-                  <a:latin typeface="Malgun Gothic"/>
-                  <a:ea typeface="Malgun Gothic"/>
+                  <a:latin typeface="+mj-ea"/>
+                  <a:ea typeface="+mj-ea"/>
                   <a:cs typeface="Malgun Gothic"/>
                   <a:sym typeface="Malgun Gothic"/>
                 </a:rPr>
                 <a:t> 및 </a:t>
               </a:r>
               <a:r>
-                <a:rPr lang="en-US" sz="3000" dirty="0" err="1">
+                <a:rPr lang="en-US" sz="2400" dirty="0" err="1">
                   <a:solidFill>
-                    <a:srgbClr val="3F3F48"/>
+                    <a:schemeClr val="tx1"/>
                   </a:solidFill>
-                  <a:latin typeface="Malgun Gothic"/>
-                  <a:ea typeface="Malgun Gothic"/>
+                  <a:latin typeface="+mj-ea"/>
+                  <a:ea typeface="+mj-ea"/>
                   <a:cs typeface="Malgun Gothic"/>
                   <a:sym typeface="Malgun Gothic"/>
                 </a:rPr>
                 <a:t>병합</a:t>
               </a:r>
               <a:r>
-                <a:rPr lang="en-US" sz="3000" dirty="0">
+                <a:rPr lang="en-US" sz="2400" dirty="0">
                   <a:solidFill>
-                    <a:srgbClr val="3F3F48"/>
+                    <a:schemeClr val="tx1"/>
                   </a:solidFill>
-                  <a:latin typeface="Malgun Gothic"/>
-                  <a:ea typeface="Malgun Gothic"/>
+                  <a:latin typeface="+mj-ea"/>
+                  <a:ea typeface="+mj-ea"/>
                   <a:cs typeface="Malgun Gothic"/>
                   <a:sym typeface="Malgun Gothic"/>
                 </a:rPr>
                 <a:t>, </a:t>
               </a:r>
               <a:r>
-                <a:rPr lang="en-US" sz="3000" dirty="0" err="1">
+                <a:rPr lang="en-US" sz="2400" dirty="0" err="1">
                   <a:solidFill>
-                    <a:srgbClr val="3F3F48"/>
+                    <a:schemeClr val="tx1"/>
                   </a:solidFill>
-                  <a:latin typeface="Malgun Gothic"/>
-                  <a:ea typeface="Malgun Gothic"/>
+                  <a:latin typeface="+mj-ea"/>
+                  <a:ea typeface="+mj-ea"/>
                   <a:cs typeface="Malgun Gothic"/>
                   <a:sym typeface="Malgun Gothic"/>
                 </a:rPr>
                 <a:t>그룹화</a:t>
               </a:r>
               <a:r>
-                <a:rPr lang="en-US" sz="3000" dirty="0">
+                <a:rPr lang="en-US" sz="2400" dirty="0">
                   <a:solidFill>
-                    <a:srgbClr val="3F3F48"/>
+                    <a:schemeClr val="tx1"/>
                   </a:solidFill>
-                  <a:latin typeface="Malgun Gothic"/>
-                  <a:ea typeface="Malgun Gothic"/>
+                  <a:latin typeface="+mj-ea"/>
+                  <a:ea typeface="+mj-ea"/>
                   <a:cs typeface="Malgun Gothic"/>
                   <a:sym typeface="Malgun Gothic"/>
                 </a:rPr>
-                <a:t>, ML&amp;DL </a:t>
+                <a:t>, </a:t>
               </a:r>
               <a:r>
-                <a:rPr lang="en-US" sz="3000" dirty="0" err="1">
+                <a:rPr lang="en-US" sz="2400" dirty="0" err="1">
                   <a:solidFill>
-                    <a:srgbClr val="3F3F48"/>
+                    <a:schemeClr val="tx1"/>
                   </a:solidFill>
-                  <a:latin typeface="Malgun Gothic"/>
-                  <a:ea typeface="Malgun Gothic"/>
+                  <a:latin typeface="+mj-ea"/>
+                  <a:ea typeface="+mj-ea"/>
                   <a:cs typeface="Malgun Gothic"/>
                   <a:sym typeface="Malgun Gothic"/>
                 </a:rPr>
-                <a:t>분석</a:t>
+                <a:t>DNN분석</a:t>
               </a:r>
               <a:r>
-                <a:rPr lang="en-US" sz="3000" dirty="0">
+                <a:rPr lang="en-US" sz="2400" dirty="0">
                   <a:solidFill>
-                    <a:srgbClr val="3F3F48"/>
+                    <a:schemeClr val="tx1"/>
                   </a:solidFill>
-                  <a:latin typeface="Malgun Gothic"/>
-                  <a:ea typeface="Malgun Gothic"/>
+                  <a:latin typeface="+mj-ea"/>
+                  <a:ea typeface="+mj-ea"/>
                   <a:cs typeface="Malgun Gothic"/>
                   <a:sym typeface="Malgun Gothic"/>
                 </a:rPr>
                 <a:t>), </a:t>
               </a:r>
-              <a:endParaRPr sz="3000" dirty="0"/>
+              <a:endParaRPr sz="2400" dirty="0">
+                <a:solidFill>
+                  <a:schemeClr val="tx1"/>
+                </a:solidFill>
+                <a:latin typeface="+mj-ea"/>
+                <a:ea typeface="+mj-ea"/>
+              </a:endParaRPr>
             </a:p>
             <a:p>
               <a:pPr marL="179999" marR="0" lvl="0" indent="0" algn="l" rtl="0">
@@ -27909,98 +30240,232 @@
                 <a:buNone/>
               </a:pPr>
               <a:r>
-                <a:rPr lang="en-US" sz="3000" dirty="0">
+                <a:rPr lang="en-US" sz="2400" dirty="0">
                   <a:solidFill>
-                    <a:srgbClr val="3F3F48"/>
+                    <a:schemeClr val="tx1"/>
+                  </a:solidFill>
+                  <a:latin typeface="+mj-ea"/>
+                  <a:ea typeface="+mj-ea"/>
+                  <a:cs typeface="Malgun Gothic"/>
+                  <a:sym typeface="Malgun Gothic"/>
+                </a:rPr>
+                <a:t>PyCharm Community 2024.3.1(웹 </a:t>
+              </a:r>
+              <a:r>
+                <a:rPr lang="en-US" sz="2400" dirty="0" err="1">
+                  <a:solidFill>
+                    <a:schemeClr val="tx1"/>
+                  </a:solidFill>
+                  <a:latin typeface="+mj-ea"/>
+                  <a:ea typeface="+mj-ea"/>
+                  <a:cs typeface="Malgun Gothic"/>
+                  <a:sym typeface="Malgun Gothic"/>
+                </a:rPr>
+                <a:t>구현</a:t>
+              </a:r>
+              <a:r>
+                <a:rPr lang="en-US" sz="2400" dirty="0">
+                  <a:solidFill>
+                    <a:schemeClr val="tx1"/>
+                  </a:solidFill>
+                  <a:latin typeface="+mj-ea"/>
+                  <a:ea typeface="+mj-ea"/>
+                  <a:cs typeface="Malgun Gothic"/>
+                  <a:sym typeface="Malgun Gothic"/>
+                </a:rPr>
+                <a:t>)</a:t>
+              </a:r>
+              <a:endParaRPr sz="2400" dirty="0">
+                <a:solidFill>
+                  <a:schemeClr val="tx1"/>
+                </a:solidFill>
+                <a:latin typeface="+mj-ea"/>
+                <a:ea typeface="+mj-ea"/>
+                <a:cs typeface="Malgun Gothic"/>
+                <a:sym typeface="Malgun Gothic"/>
+              </a:endParaRPr>
+            </a:p>
+          </p:txBody>
+        </p:sp>
+      </p:grpSp>
+      <p:grpSp>
+        <p:nvGrpSpPr>
+          <p:cNvPr id="2" name="Google Shape;204;p6">
+            <a:extLst>
+              <a:ext uri="{FF2B5EF4-FFF2-40B4-BE49-F238E27FC236}">
+                <a16:creationId xmlns:a16="http://schemas.microsoft.com/office/drawing/2014/main" id="{C47C1AB7-184D-EC62-A410-3FD0767F7815}"/>
+              </a:ext>
+            </a:extLst>
+          </p:cNvPr>
+          <p:cNvGrpSpPr/>
+          <p:nvPr/>
+        </p:nvGrpSpPr>
+        <p:grpSpPr>
+          <a:xfrm>
+            <a:off x="1028699" y="8072358"/>
+            <a:ext cx="15079820" cy="1136679"/>
+            <a:chOff x="752659" y="6362095"/>
+            <a:chExt cx="7364632" cy="924000"/>
+          </a:xfrm>
+        </p:grpSpPr>
+        <p:sp>
+          <p:nvSpPr>
+            <p:cNvPr id="3" name="Google Shape;205;p6">
+              <a:extLst>
+                <a:ext uri="{FF2B5EF4-FFF2-40B4-BE49-F238E27FC236}">
+                  <a16:creationId xmlns:a16="http://schemas.microsoft.com/office/drawing/2014/main" id="{3338A8C4-5385-0012-80A4-3DAF58291E08}"/>
+                </a:ext>
+              </a:extLst>
+            </p:cNvPr>
+            <p:cNvSpPr/>
+            <p:nvPr/>
+          </p:nvSpPr>
+          <p:spPr>
+            <a:xfrm>
+              <a:off x="1997291" y="6362095"/>
+              <a:ext cx="6120000" cy="924000"/>
+            </a:xfrm>
+            <a:prstGeom prst="rect">
+              <a:avLst/>
+            </a:prstGeom>
+            <a:solidFill>
+              <a:srgbClr val="FFFFFF"/>
+            </a:solidFill>
+            <a:ln w="19050" cap="flat" cmpd="sng">
+              <a:solidFill>
+                <a:srgbClr val="CDC1B6"/>
+              </a:solidFill>
+              <a:prstDash val="solid"/>
+              <a:round/>
+              <a:headEnd type="none" w="sm" len="sm"/>
+              <a:tailEnd type="none" w="sm" len="sm"/>
+            </a:ln>
+          </p:spPr>
+          <p:txBody>
+            <a:bodyPr spcFirstLastPara="1" wrap="square" lIns="0" tIns="45700" rIns="0" bIns="45700" anchor="t" anchorCtr="0">
+              <a:noAutofit/>
+            </a:bodyPr>
+            <a:lstStyle/>
+            <a:p>
+              <a:pPr marL="179999" marR="0" lvl="0" indent="0" algn="l" rtl="0">
+                <a:lnSpc>
+                  <a:spcPct val="150000"/>
+                </a:lnSpc>
+                <a:spcBef>
+                  <a:spcPts val="0"/>
+                </a:spcBef>
+                <a:spcAft>
+                  <a:spcPts val="0"/>
+                </a:spcAft>
+                <a:buNone/>
+              </a:pPr>
+              <a:r>
+                <a:rPr lang="en-US" altLang="ko-KR" sz="2400" dirty="0">
+                  <a:latin typeface="+mn-ea"/>
+                  <a:ea typeface="+mn-ea"/>
+                </a:rPr>
+                <a:t>Fastapi-0.115.7(API </a:t>
+              </a:r>
+              <a:r>
+                <a:rPr lang="ko-KR" altLang="en-US" sz="2400" dirty="0">
+                  <a:latin typeface="+mn-ea"/>
+                  <a:ea typeface="+mn-ea"/>
+                </a:rPr>
+                <a:t>구축 및 배포</a:t>
+              </a:r>
+              <a:r>
+                <a:rPr lang="en-US" altLang="ko-KR" sz="2400" dirty="0">
+                  <a:latin typeface="+mn-ea"/>
+                  <a:ea typeface="+mn-ea"/>
+                </a:rPr>
+                <a:t>), uvicorn-0.34.0, selenium-4.27.1(</a:t>
+              </a:r>
+              <a:r>
+                <a:rPr lang="ko-KR" altLang="en-US" sz="2400" dirty="0">
+                  <a:latin typeface="+mn-ea"/>
+                  <a:ea typeface="+mn-ea"/>
+                </a:rPr>
+                <a:t>웹 자동화 및 </a:t>
+              </a:r>
+              <a:r>
+                <a:rPr lang="ko-KR" altLang="en-US" sz="2400" dirty="0" err="1">
+                  <a:latin typeface="+mn-ea"/>
+                  <a:ea typeface="+mn-ea"/>
+                </a:rPr>
+                <a:t>크롤링</a:t>
+              </a:r>
+              <a:r>
+                <a:rPr lang="en-US" altLang="ko-KR" sz="2400" dirty="0">
+                  <a:latin typeface="+mn-ea"/>
+                  <a:ea typeface="+mn-ea"/>
+                </a:rPr>
+                <a:t>)</a:t>
+              </a:r>
+              <a:endParaRPr lang="ko-KR" altLang="en-US" sz="2400" dirty="0">
+                <a:solidFill>
+                  <a:schemeClr val="tx1"/>
+                </a:solidFill>
+                <a:latin typeface="+mn-ea"/>
+                <a:ea typeface="+mn-ea"/>
+              </a:endParaRPr>
+            </a:p>
+          </p:txBody>
+        </p:sp>
+        <p:sp>
+          <p:nvSpPr>
+            <p:cNvPr id="4" name="Google Shape;206;p6">
+              <a:extLst>
+                <a:ext uri="{FF2B5EF4-FFF2-40B4-BE49-F238E27FC236}">
+                  <a16:creationId xmlns:a16="http://schemas.microsoft.com/office/drawing/2014/main" id="{EDC093E6-7FBB-2356-97BB-BB3DEE580C7E}"/>
+                </a:ext>
+              </a:extLst>
+            </p:cNvPr>
+            <p:cNvSpPr/>
+            <p:nvPr/>
+          </p:nvSpPr>
+          <p:spPr>
+            <a:xfrm>
+              <a:off x="752659" y="6362095"/>
+              <a:ext cx="1081200" cy="468900"/>
+            </a:xfrm>
+            <a:prstGeom prst="rect">
+              <a:avLst/>
+            </a:prstGeom>
+            <a:solidFill>
+              <a:srgbClr val="CDC1B6"/>
+            </a:solidFill>
+            <a:ln>
+              <a:noFill/>
+            </a:ln>
+          </p:spPr>
+          <p:txBody>
+            <a:bodyPr spcFirstLastPara="1" wrap="square" lIns="0" tIns="0" rIns="0" bIns="0" anchor="ctr" anchorCtr="0">
+              <a:noAutofit/>
+            </a:bodyPr>
+            <a:lstStyle/>
+            <a:p>
+              <a:pPr marL="0" marR="0" lvl="0" indent="0" algn="ctr" rtl="0">
+                <a:spcBef>
+                  <a:spcPts val="0"/>
+                </a:spcBef>
+                <a:spcAft>
+                  <a:spcPts val="0"/>
+                </a:spcAft>
+                <a:buNone/>
+              </a:pPr>
+              <a:r>
+                <a:rPr lang="en-US" sz="2400" b="1" dirty="0">
+                  <a:solidFill>
+                    <a:srgbClr val="FFFFFF"/>
                   </a:solidFill>
                   <a:latin typeface="Malgun Gothic"/>
                   <a:ea typeface="Malgun Gothic"/>
                   <a:cs typeface="Malgun Gothic"/>
                   <a:sym typeface="Malgun Gothic"/>
                 </a:rPr>
-                <a:t>PyCharm Community 2024.3.1(</a:t>
+                <a:t>Framework</a:t>
               </a:r>
-              <a:r>
-                <a:rPr lang="en-US" sz="3000" dirty="0" err="1">
-                  <a:solidFill>
-                    <a:srgbClr val="3F3F48"/>
-                  </a:solidFill>
-                  <a:latin typeface="Malgun Gothic"/>
-                  <a:ea typeface="Malgun Gothic"/>
-                  <a:cs typeface="Malgun Gothic"/>
-                  <a:sym typeface="Malgun Gothic"/>
-                </a:rPr>
-                <a:t>ML&amp;이</a:t>
-              </a:r>
-              <a:r>
-                <a:rPr lang="en-US" sz="3000" dirty="0">
-                  <a:solidFill>
-                    <a:srgbClr val="3F3F48"/>
-                  </a:solidFill>
-                  <a:latin typeface="Malgun Gothic"/>
-                  <a:ea typeface="Malgun Gothic"/>
-                  <a:cs typeface="Malgun Gothic"/>
-                  <a:sym typeface="Malgun Gothic"/>
-                </a:rPr>
-                <a:t> </a:t>
-              </a:r>
-              <a:r>
-                <a:rPr lang="en-US" sz="3000" dirty="0" err="1">
-                  <a:solidFill>
-                    <a:srgbClr val="3F3F48"/>
-                  </a:solidFill>
-                  <a:latin typeface="Malgun Gothic"/>
-                  <a:ea typeface="Malgun Gothic"/>
-                  <a:cs typeface="Malgun Gothic"/>
-                  <a:sym typeface="Malgun Gothic"/>
-                </a:rPr>
-                <a:t>분석</a:t>
-              </a:r>
-              <a:r>
-                <a:rPr lang="en-US" sz="3000" dirty="0">
-                  <a:solidFill>
-                    <a:srgbClr val="3F3F48"/>
-                  </a:solidFill>
-                  <a:latin typeface="Malgun Gothic"/>
-                  <a:ea typeface="Malgun Gothic"/>
-                  <a:cs typeface="Malgun Gothic"/>
-                  <a:sym typeface="Malgun Gothic"/>
-                </a:rPr>
-                <a:t> 및 웹 </a:t>
-              </a:r>
-              <a:r>
-                <a:rPr lang="en-US" sz="3000" dirty="0" err="1">
-                  <a:solidFill>
-                    <a:srgbClr val="3F3F48"/>
-                  </a:solidFill>
-                  <a:latin typeface="Malgun Gothic"/>
-                  <a:ea typeface="Malgun Gothic"/>
-                  <a:cs typeface="Malgun Gothic"/>
-                  <a:sym typeface="Malgun Gothic"/>
-                </a:rPr>
-                <a:t>구현</a:t>
-              </a:r>
-              <a:r>
-                <a:rPr lang="en-US" sz="3000" dirty="0">
-                  <a:solidFill>
-                    <a:srgbClr val="3F3F48"/>
-                  </a:solidFill>
-                  <a:latin typeface="Malgun Gothic"/>
-                  <a:ea typeface="Malgun Gothic"/>
-                  <a:cs typeface="Malgun Gothic"/>
-                  <a:sym typeface="Malgun Gothic"/>
-                </a:rPr>
-                <a:t>)</a:t>
-              </a:r>
-              <a:endParaRPr sz="3000" dirty="0">
-                <a:solidFill>
-                  <a:srgbClr val="3F3F48"/>
-                </a:solidFill>
-                <a:latin typeface="Malgun Gothic"/>
-                <a:ea typeface="Malgun Gothic"/>
-                <a:cs typeface="Malgun Gothic"/>
-                <a:sym typeface="Malgun Gothic"/>
-              </a:endParaRPr>
+              <a:endParaRPr sz="2400" dirty="0"/>
             </a:p>
           </p:txBody>
         </p:sp>
